--- a/documents/draft/group110_modelling_project.pptx
+++ b/documents/draft/group110_modelling_project.pptx
@@ -11,7 +11,8 @@
     <p:sldId id="258" r:id="rId5"/>
     <p:sldId id="261" r:id="rId6"/>
     <p:sldId id="262" r:id="rId7"/>
-    <p:sldId id="260" r:id="rId8"/>
+    <p:sldId id="263" r:id="rId8"/>
+    <p:sldId id="260" r:id="rId9"/>
   </p:sldIdLst>
   <p:sldSz cx="12192000" cy="6858000"/>
   <p:notesSz cx="6858000" cy="9144000"/>
@@ -121,7 +122,7 @@
 <file path=ppt/revisionInfo.xml><?xml version="1.0" encoding="utf-8"?>
 <p1510:revInfo xmlns:a="http://schemas.openxmlformats.org/drawingml/2006/main" xmlns:r="http://schemas.openxmlformats.org/officeDocument/2006/relationships" xmlns:p1510="http://schemas.microsoft.com/office/powerpoint/2015/10/main">
   <p1510:revLst>
-    <p1510:client id="{8427D1BA-8F17-AE4B-A024-445AF44DE85A}" v="905" dt="2020-11-02T22:47:02.769"/>
+    <p1510:client id="{8427D1BA-8F17-AE4B-A024-445AF44DE85A}" v="1226" dt="2020-11-02T22:55:48.935"/>
   </p1510:revLst>
 </p1510:revInfo>
 </file>
@@ -218,7 +219,6 @@
               <a:rPr lang="en-US"/>
               <a:t>Click to edit Master title style</a:t>
             </a:r>
-            <a:endParaRPr lang="en-US" dirty="0"/>
           </a:p>
         </p:txBody>
       </p:sp>
@@ -337,7 +337,6 @@
               <a:rPr lang="en-US"/>
               <a:t>Click to edit Master subtitle style</a:t>
             </a:r>
-            <a:endParaRPr lang="en-US" dirty="0"/>
           </a:p>
         </p:txBody>
       </p:sp>
@@ -364,9 +363,9 @@
           <a:p>
             <a:fld id="{ED291B17-9318-49DB-B28B-6E5994AE9581}" type="datetime1">
               <a:rPr lang="en-US" smtClean="0"/>
-              <a:t>10/31/20</a:t>
+              <a:t>11/2/20</a:t>
             </a:fld>
-            <a:endParaRPr lang="en-US" dirty="0"/>
+            <a:endParaRPr lang="en-US"/>
           </a:p>
         </p:txBody>
       </p:sp>
@@ -391,7 +390,7 @@
           <a:bodyPr/>
           <a:lstStyle/>
           <a:p>
-            <a:endParaRPr lang="en-US" dirty="0"/>
+            <a:endParaRPr lang="en-US"/>
           </a:p>
         </p:txBody>
       </p:sp>
@@ -420,7 +419,7 @@
               <a:rPr lang="en-US" smtClean="0"/>
               <a:t>‹#›</a:t>
             </a:fld>
-            <a:endParaRPr lang="en-US" dirty="0"/>
+            <a:endParaRPr lang="en-US"/>
           </a:p>
         </p:txBody>
       </p:sp>
@@ -478,7 +477,6 @@
               <a:rPr lang="en-US"/>
               <a:t>Click to edit Master title style</a:t>
             </a:r>
-            <a:endParaRPr lang="en-US" dirty="0"/>
           </a:p>
         </p:txBody>
       </p:sp>
@@ -546,7 +544,6 @@
               <a:rPr lang="en-US"/>
               <a:t>Fifth level</a:t>
             </a:r>
-            <a:endParaRPr lang="en-US" dirty="0"/>
           </a:p>
         </p:txBody>
       </p:sp>
@@ -567,9 +564,9 @@
           <a:p>
             <a:fld id="{2CED4963-E985-44C4-B8C4-FDD613B7C2F8}" type="datetime1">
               <a:rPr lang="en-US" smtClean="0"/>
-              <a:t>10/31/20</a:t>
+              <a:t>11/2/20</a:t>
             </a:fld>
-            <a:endParaRPr lang="en-US" dirty="0"/>
+            <a:endParaRPr lang="en-US"/>
           </a:p>
         </p:txBody>
       </p:sp>
@@ -588,7 +585,7 @@
           <a:bodyPr/>
           <a:lstStyle/>
           <a:p>
-            <a:endParaRPr lang="en-US" dirty="0"/>
+            <a:endParaRPr lang="en-US"/>
           </a:p>
         </p:txBody>
       </p:sp>
@@ -611,7 +608,7 @@
               <a:rPr lang="en-US" smtClean="0"/>
               <a:t>‹#›</a:t>
             </a:fld>
-            <a:endParaRPr lang="en-US" dirty="0"/>
+            <a:endParaRPr lang="en-US"/>
           </a:p>
         </p:txBody>
       </p:sp>
@@ -716,7 +713,6 @@
               <a:rPr lang="en-US"/>
               <a:t>Click to edit Master title style</a:t>
             </a:r>
-            <a:endParaRPr lang="en-US" dirty="0"/>
           </a:p>
         </p:txBody>
       </p:sp>
@@ -773,7 +769,6 @@
               <a:rPr lang="en-US"/>
               <a:t>Fifth level</a:t>
             </a:r>
-            <a:endParaRPr lang="en-US" dirty="0"/>
           </a:p>
         </p:txBody>
       </p:sp>
@@ -929,9 +924,9 @@
           <a:p>
             <a:fld id="{ED291B17-9318-49DB-B28B-6E5994AE9581}" type="datetime1">
               <a:rPr lang="en-US" smtClean="0"/>
-              <a:t>10/31/20</a:t>
+              <a:t>11/2/20</a:t>
             </a:fld>
-            <a:endParaRPr lang="en-US" dirty="0"/>
+            <a:endParaRPr lang="en-US"/>
           </a:p>
         </p:txBody>
       </p:sp>
@@ -956,7 +951,7 @@
           <a:bodyPr/>
           <a:lstStyle/>
           <a:p>
-            <a:endParaRPr lang="en-US" dirty="0"/>
+            <a:endParaRPr lang="en-US"/>
           </a:p>
         </p:txBody>
       </p:sp>
@@ -985,7 +980,7 @@
               <a:rPr lang="en-US" smtClean="0"/>
               <a:t>‹#›</a:t>
             </a:fld>
-            <a:endParaRPr lang="en-US" dirty="0"/>
+            <a:endParaRPr lang="en-US"/>
           </a:p>
         </p:txBody>
       </p:sp>
@@ -1043,7 +1038,6 @@
               <a:rPr lang="en-US"/>
               <a:t>Click to edit Master title style</a:t>
             </a:r>
-            <a:endParaRPr lang="en-US" dirty="0"/>
           </a:p>
         </p:txBody>
       </p:sp>
@@ -1100,7 +1094,6 @@
               <a:rPr lang="en-US"/>
               <a:t>Fifth level</a:t>
             </a:r>
-            <a:endParaRPr lang="en-US" dirty="0"/>
           </a:p>
         </p:txBody>
       </p:sp>
@@ -1127,9 +1120,9 @@
           <a:p>
             <a:fld id="{78DD82B9-B8EE-4375-B6FF-88FA6ABB15D9}" type="datetime1">
               <a:rPr lang="en-US" smtClean="0"/>
-              <a:t>10/31/20</a:t>
+              <a:t>11/2/20</a:t>
             </a:fld>
-            <a:endParaRPr lang="en-US" dirty="0"/>
+            <a:endParaRPr lang="en-US"/>
           </a:p>
         </p:txBody>
       </p:sp>
@@ -1154,7 +1147,7 @@
           <a:bodyPr/>
           <a:lstStyle/>
           <a:p>
-            <a:endParaRPr lang="en-US" dirty="0"/>
+            <a:endParaRPr lang="en-US"/>
           </a:p>
         </p:txBody>
       </p:sp>
@@ -1183,7 +1176,7 @@
               <a:rPr lang="en-US" smtClean="0"/>
               <a:t>‹#›</a:t>
             </a:fld>
-            <a:endParaRPr lang="en-US" dirty="0"/>
+            <a:endParaRPr lang="en-US"/>
           </a:p>
         </p:txBody>
       </p:sp>
@@ -1293,7 +1286,6 @@
               <a:rPr lang="en-US"/>
               <a:t>Click to edit Master title style</a:t>
             </a:r>
-            <a:endParaRPr lang="en-US" dirty="0"/>
           </a:p>
         </p:txBody>
       </p:sp>
@@ -1439,9 +1431,9 @@
           <a:p>
             <a:fld id="{B2497495-0637-405E-AE64-5CC7506D51F5}" type="datetime1">
               <a:rPr lang="en-US" smtClean="0"/>
-              <a:t>10/31/20</a:t>
+              <a:t>11/2/20</a:t>
             </a:fld>
-            <a:endParaRPr lang="en-US" dirty="0"/>
+            <a:endParaRPr lang="en-US"/>
           </a:p>
         </p:txBody>
       </p:sp>
@@ -1466,7 +1458,7 @@
           <a:bodyPr/>
           <a:lstStyle/>
           <a:p>
-            <a:endParaRPr lang="en-US" dirty="0"/>
+            <a:endParaRPr lang="en-US"/>
           </a:p>
         </p:txBody>
       </p:sp>
@@ -1495,7 +1487,7 @@
               <a:rPr lang="en-US" smtClean="0"/>
               <a:t>‹#›</a:t>
             </a:fld>
-            <a:endParaRPr lang="en-US" dirty="0"/>
+            <a:endParaRPr lang="en-US"/>
           </a:p>
         </p:txBody>
       </p:sp>
@@ -1553,7 +1545,6 @@
               <a:rPr lang="en-US"/>
               <a:t>Click to edit Master title style</a:t>
             </a:r>
-            <a:endParaRPr lang="en-US" dirty="0"/>
           </a:p>
         </p:txBody>
       </p:sp>
@@ -1612,7 +1603,6 @@
               <a:rPr lang="en-US"/>
               <a:t>Fifth level</a:t>
             </a:r>
-            <a:endParaRPr lang="en-US" dirty="0"/>
           </a:p>
         </p:txBody>
       </p:sp>
@@ -1671,7 +1661,6 @@
               <a:rPr lang="en-US"/>
               <a:t>Fifth level</a:t>
             </a:r>
-            <a:endParaRPr lang="en-US" dirty="0"/>
           </a:p>
         </p:txBody>
       </p:sp>
@@ -1692,9 +1681,9 @@
           <a:p>
             <a:fld id="{7BFFD690-9426-415D-8B65-26881E07B2D4}" type="datetime1">
               <a:rPr lang="en-US" smtClean="0"/>
-              <a:t>10/31/20</a:t>
+              <a:t>11/2/20</a:t>
             </a:fld>
-            <a:endParaRPr lang="en-US" dirty="0"/>
+            <a:endParaRPr lang="en-US"/>
           </a:p>
         </p:txBody>
       </p:sp>
@@ -1713,7 +1702,7 @@
           <a:bodyPr/>
           <a:lstStyle/>
           <a:p>
-            <a:endParaRPr lang="en-US" dirty="0"/>
+            <a:endParaRPr lang="en-US"/>
           </a:p>
         </p:txBody>
       </p:sp>
@@ -1736,7 +1725,7 @@
               <a:rPr lang="en-US" smtClean="0"/>
               <a:t>‹#›</a:t>
             </a:fld>
-            <a:endParaRPr lang="en-US" dirty="0"/>
+            <a:endParaRPr lang="en-US"/>
           </a:p>
         </p:txBody>
       </p:sp>
@@ -1794,7 +1783,6 @@
               <a:rPr lang="en-US"/>
               <a:t>Click to edit Master title style</a:t>
             </a:r>
-            <a:endParaRPr lang="en-US" dirty="0"/>
           </a:p>
         </p:txBody>
       </p:sp>
@@ -1927,7 +1915,6 @@
               <a:rPr lang="en-US"/>
               <a:t>Fifth level</a:t>
             </a:r>
-            <a:endParaRPr lang="en-US" dirty="0"/>
           </a:p>
         </p:txBody>
       </p:sp>
@@ -2093,7 +2080,6 @@
               <a:rPr lang="en-US"/>
               <a:t>Fifth level</a:t>
             </a:r>
-            <a:endParaRPr lang="en-US" dirty="0"/>
           </a:p>
         </p:txBody>
       </p:sp>
@@ -2114,9 +2100,9 @@
           <a:p>
             <a:fld id="{04C4989A-474C-40DE-95B9-011C28B71673}" type="datetime1">
               <a:rPr lang="en-US" smtClean="0"/>
-              <a:t>10/31/20</a:t>
+              <a:t>11/2/20</a:t>
             </a:fld>
-            <a:endParaRPr lang="en-US" dirty="0"/>
+            <a:endParaRPr lang="en-US"/>
           </a:p>
         </p:txBody>
       </p:sp>
@@ -2135,7 +2121,7 @@
           <a:bodyPr/>
           <a:lstStyle/>
           <a:p>
-            <a:endParaRPr lang="en-US" dirty="0"/>
+            <a:endParaRPr lang="en-US"/>
           </a:p>
         </p:txBody>
       </p:sp>
@@ -2158,7 +2144,7 @@
               <a:rPr lang="en-US" smtClean="0"/>
               <a:t>‹#›</a:t>
             </a:fld>
-            <a:endParaRPr lang="en-US" dirty="0"/>
+            <a:endParaRPr lang="en-US"/>
           </a:p>
         </p:txBody>
       </p:sp>
@@ -2216,7 +2202,6 @@
               <a:rPr lang="en-US"/>
               <a:t>Click to edit Master title style</a:t>
             </a:r>
-            <a:endParaRPr lang="en-US" dirty="0"/>
           </a:p>
         </p:txBody>
       </p:sp>
@@ -2237,9 +2222,9 @@
           <a:p>
             <a:fld id="{5DB4ED54-5B5E-4A04-93D3-5772E3CE3818}" type="datetime1">
               <a:rPr lang="en-US" smtClean="0"/>
-              <a:t>10/31/20</a:t>
+              <a:t>11/2/20</a:t>
             </a:fld>
-            <a:endParaRPr lang="en-US" dirty="0"/>
+            <a:endParaRPr lang="en-US"/>
           </a:p>
         </p:txBody>
       </p:sp>
@@ -2258,7 +2243,7 @@
           <a:bodyPr/>
           <a:lstStyle/>
           <a:p>
-            <a:endParaRPr lang="en-US" dirty="0"/>
+            <a:endParaRPr lang="en-US"/>
           </a:p>
         </p:txBody>
       </p:sp>
@@ -2281,7 +2266,7 @@
               <a:rPr lang="en-US" smtClean="0"/>
               <a:t>‹#›</a:t>
             </a:fld>
-            <a:endParaRPr lang="en-US" dirty="0"/>
+            <a:endParaRPr lang="en-US"/>
           </a:p>
         </p:txBody>
       </p:sp>
@@ -2332,9 +2317,9 @@
           <a:p>
             <a:fld id="{4EDE50D6-574B-40AF-946F-D52A04ADE379}" type="datetime1">
               <a:rPr lang="en-US" smtClean="0"/>
-              <a:t>10/31/20</a:t>
+              <a:t>11/2/20</a:t>
             </a:fld>
-            <a:endParaRPr lang="en-US" dirty="0"/>
+            <a:endParaRPr lang="en-US"/>
           </a:p>
         </p:txBody>
       </p:sp>
@@ -2353,7 +2338,7 @@
           <a:bodyPr/>
           <a:lstStyle/>
           <a:p>
-            <a:endParaRPr lang="en-US" dirty="0"/>
+            <a:endParaRPr lang="en-US"/>
           </a:p>
         </p:txBody>
       </p:sp>
@@ -2376,7 +2361,7 @@
               <a:rPr lang="en-US" smtClean="0"/>
               <a:t>‹#›</a:t>
             </a:fld>
-            <a:endParaRPr lang="en-US" dirty="0"/>
+            <a:endParaRPr lang="en-US"/>
           </a:p>
         </p:txBody>
       </p:sp>
@@ -2483,7 +2468,6 @@
               <a:rPr lang="en-US"/>
               <a:t>Click to edit Master title style</a:t>
             </a:r>
-            <a:endParaRPr lang="en-US" dirty="0"/>
           </a:p>
         </p:txBody>
       </p:sp>
@@ -2606,7 +2590,6 @@
               <a:rPr lang="en-US"/>
               <a:t>Fifth level</a:t>
             </a:r>
-            <a:endParaRPr lang="en-US" dirty="0"/>
           </a:p>
         </p:txBody>
       </p:sp>
@@ -2709,9 +2692,9 @@
           <a:p>
             <a:fld id="{D82884F1-FFEA-405F-9602-3DCA865EDA4E}" type="datetime1">
               <a:rPr lang="en-US" smtClean="0"/>
-              <a:t>10/31/20</a:t>
+              <a:t>11/2/20</a:t>
             </a:fld>
-            <a:endParaRPr lang="en-US" dirty="0"/>
+            <a:endParaRPr lang="en-US"/>
           </a:p>
         </p:txBody>
       </p:sp>
@@ -2741,7 +2724,7 @@
           <a:bodyPr/>
           <a:lstStyle/>
           <a:p>
-            <a:endParaRPr lang="en-US" dirty="0"/>
+            <a:endParaRPr lang="en-US"/>
           </a:p>
         </p:txBody>
       </p:sp>
@@ -2776,7 +2759,7 @@
               <a:pPr/>
               <a:t>‹#›</a:t>
             </a:fld>
-            <a:endParaRPr lang="en-US" dirty="0"/>
+            <a:endParaRPr lang="en-US"/>
           </a:p>
         </p:txBody>
       </p:sp>
@@ -2847,7 +2830,6 @@
               <a:rPr lang="en-US"/>
               <a:t>Click to edit Master title style</a:t>
             </a:r>
-            <a:endParaRPr lang="en-US" dirty="0"/>
           </a:p>
         </p:txBody>
       </p:sp>
@@ -2914,7 +2896,6 @@
               <a:rPr lang="en-US"/>
               <a:t>Click icon to add picture</a:t>
             </a:r>
-            <a:endParaRPr lang="en-US" dirty="0"/>
           </a:p>
         </p:txBody>
       </p:sp>
@@ -3002,9 +2983,9 @@
           <a:p>
             <a:fld id="{7E18DB4A-8810-4A10-AD5C-D5E2C667F5B3}" type="datetime1">
               <a:rPr lang="en-US" smtClean="0"/>
-              <a:t>10/31/20</a:t>
+              <a:t>11/2/20</a:t>
             </a:fld>
-            <a:endParaRPr lang="en-US" dirty="0"/>
+            <a:endParaRPr lang="en-US"/>
           </a:p>
         </p:txBody>
       </p:sp>
@@ -3024,7 +3005,7 @@
           <a:lstStyle/>
           <a:p>
             <a:pPr algn="l"/>
-            <a:endParaRPr lang="en-US" dirty="0"/>
+            <a:endParaRPr lang="en-US"/>
           </a:p>
         </p:txBody>
       </p:sp>
@@ -3047,7 +3028,7 @@
               <a:rPr lang="en-US" smtClean="0"/>
               <a:t>‹#›</a:t>
             </a:fld>
-            <a:endParaRPr lang="en-US" dirty="0"/>
+            <a:endParaRPr lang="en-US"/>
           </a:p>
         </p:txBody>
       </p:sp>
@@ -3115,7 +3096,6 @@
               <a:rPr lang="en-US"/>
               <a:t>Click to edit Master title style</a:t>
             </a:r>
-            <a:endParaRPr lang="en-US" dirty="0"/>
           </a:p>
         </p:txBody>
       </p:sp>
@@ -3177,7 +3157,6 @@
               <a:rPr lang="en-US"/>
               <a:t>Fifth level</a:t>
             </a:r>
-            <a:endParaRPr lang="en-US" dirty="0"/>
           </a:p>
         </p:txBody>
       </p:sp>
@@ -3217,9 +3196,9 @@
           <a:p>
             <a:fld id="{ED291B17-9318-49DB-B28B-6E5994AE9581}" type="datetime1">
               <a:rPr lang="en-US" smtClean="0"/>
-              <a:t>10/31/20</a:t>
+              <a:t>11/2/20</a:t>
             </a:fld>
-            <a:endParaRPr lang="en-US" dirty="0"/>
+            <a:endParaRPr lang="en-US"/>
           </a:p>
         </p:txBody>
       </p:sp>
@@ -3257,7 +3236,7 @@
             </a:lvl1pPr>
           </a:lstStyle>
           <a:p>
-            <a:endParaRPr lang="en-US" dirty="0"/>
+            <a:endParaRPr lang="en-US"/>
           </a:p>
         </p:txBody>
       </p:sp>
@@ -3299,7 +3278,7 @@
               <a:rPr lang="en-US" smtClean="0"/>
               <a:t>‹#›</a:t>
             </a:fld>
-            <a:endParaRPr lang="en-US" dirty="0"/>
+            <a:endParaRPr lang="en-US"/>
           </a:p>
         </p:txBody>
       </p:sp>
@@ -3930,14 +3909,14 @@
           <a:lstStyle/>
           <a:p>
             <a:r>
-              <a:rPr lang="en-US" sz="4000" dirty="0">
+              <a:rPr lang="en-US" sz="4000">
                 <a:solidFill>
                   <a:schemeClr val="bg1"/>
                 </a:solidFill>
               </a:rPr>
               <a:t>110: Chess Checkmate</a:t>
             </a:r>
-            <a:endParaRPr lang="en-CA" sz="4000" dirty="0">
+            <a:endParaRPr lang="en-CA" sz="4000">
               <a:solidFill>
                 <a:schemeClr val="bg1"/>
               </a:solidFill>
@@ -3980,14 +3959,14 @@
           <a:lstStyle/>
           <a:p>
             <a:r>
-              <a:rPr lang="en-US" dirty="0">
+              <a:rPr lang="en-US">
                 <a:solidFill>
                   <a:schemeClr val="bg1"/>
                 </a:solidFill>
               </a:rPr>
               <a:t>Kevin, Callum, Steven, Evan </a:t>
             </a:r>
-            <a:endParaRPr lang="en-CA" dirty="0">
+            <a:endParaRPr lang="en-CA">
               <a:solidFill>
                 <a:schemeClr val="bg1"/>
               </a:solidFill>
@@ -4169,10 +4148,10 @@
           <a:lstStyle/>
           <a:p>
             <a:r>
-              <a:rPr lang="en-US" dirty="0"/>
+              <a:rPr lang="en-US"/>
               <a:t>Summary</a:t>
             </a:r>
-            <a:endParaRPr lang="en-CA" dirty="0"/>
+            <a:endParaRPr lang="en-CA"/>
           </a:p>
         </p:txBody>
       </p:sp>
@@ -4206,10 +4185,10 @@
               <a:buNone/>
             </a:pPr>
             <a:r>
-              <a:rPr lang="en-US" dirty="0"/>
+              <a:rPr lang="en-US"/>
               <a:t>This project aims to detect if our king is in checkmate. We are assuming that our king is our only friendly piece left, and if there are no safe squares for our king to move to then it is checkmate. For this project we will be ignoring pieces blocking each other’s path to achieve checkmate.</a:t>
             </a:r>
-            <a:endParaRPr lang="en-CA" dirty="0"/>
+            <a:endParaRPr lang="en-CA"/>
           </a:p>
         </p:txBody>
       </p:sp>
@@ -4289,7 +4268,7 @@
           <a:lstStyle/>
           <a:p>
             <a:r>
-              <a:rPr lang="en-US" dirty="0"/>
+              <a:rPr lang="en-US"/>
               <a:t>1   2   3  4  5   6   7   8</a:t>
             </a:r>
           </a:p>
@@ -4324,49 +4303,49 @@
           <a:lstStyle/>
           <a:p>
             <a:r>
-              <a:rPr lang="en-US" dirty="0"/>
+              <a:rPr lang="en-US"/>
               <a:t>8</a:t>
             </a:r>
           </a:p>
           <a:p>
             <a:r>
-              <a:rPr lang="en-US" dirty="0"/>
+              <a:rPr lang="en-US"/>
               <a:t>7</a:t>
             </a:r>
           </a:p>
           <a:p>
             <a:r>
-              <a:rPr lang="en-US" dirty="0"/>
+              <a:rPr lang="en-US"/>
               <a:t>6</a:t>
             </a:r>
           </a:p>
           <a:p>
             <a:r>
-              <a:rPr lang="en-US" dirty="0"/>
+              <a:rPr lang="en-US"/>
               <a:t>5</a:t>
             </a:r>
           </a:p>
           <a:p>
             <a:r>
-              <a:rPr lang="en-US" dirty="0"/>
+              <a:rPr lang="en-US"/>
               <a:t>4</a:t>
             </a:r>
           </a:p>
           <a:p>
             <a:r>
-              <a:rPr lang="en-US" dirty="0"/>
+              <a:rPr lang="en-US"/>
               <a:t>3</a:t>
             </a:r>
           </a:p>
           <a:p>
             <a:r>
-              <a:rPr lang="en-US" dirty="0"/>
+              <a:rPr lang="en-US"/>
               <a:t>2</a:t>
             </a:r>
           </a:p>
           <a:p>
             <a:r>
-              <a:rPr lang="en-US" dirty="0"/>
+              <a:rPr lang="en-US"/>
               <a:t>1</a:t>
             </a:r>
           </a:p>
@@ -4546,10 +4525,10 @@
           <a:lstStyle/>
           <a:p>
             <a:r>
-              <a:rPr lang="en-US" dirty="0"/>
+              <a:rPr lang="en-US"/>
               <a:t>Propositions</a:t>
             </a:r>
-            <a:endParaRPr lang="en-CA" dirty="0"/>
+            <a:endParaRPr lang="en-CA"/>
           </a:p>
         </p:txBody>
       </p:sp>
@@ -4576,31 +4555,23 @@
           <a:p>
             <a:pPr marL="305435" indent="-305435" fontAlgn="base"/>
             <a:r>
-              <a:rPr lang="en-CA" sz="1800" dirty="0" err="1"/>
+              <a:rPr lang="en-CA" sz="1800" err="1"/>
               <a:t>S</a:t>
             </a:r>
             <a:r>
-              <a:rPr lang="en-CA" sz="1800" baseline="-25000" dirty="0" err="1"/>
+              <a:rPr lang="en-CA" sz="1800" baseline="-25000" err="1"/>
               <a:t>ij</a:t>
             </a:r>
             <a:r>
-              <a:rPr lang="en-CA" sz="1800" dirty="0"/>
-              <a:t> - is </a:t>
-            </a:r>
-            <a:r>
-              <a:rPr lang="en-CA" sz="1800"/>
-              <a:t>considered</a:t>
-            </a:r>
-            <a:r>
-              <a:rPr lang="en-CA" sz="1800" dirty="0"/>
-              <a:t> true if the enemy can’t move into the space (</a:t>
-            </a:r>
-            <a:r>
-              <a:rPr lang="en-CA" sz="1800" dirty="0" err="1"/>
+              <a:rPr lang="en-CA" sz="1800"/>
+              <a:t> - is considered true if the enemy can’t move into the space (</a:t>
+            </a:r>
+            <a:r>
+              <a:rPr lang="en-CA" sz="1800" err="1"/>
               <a:t>i</a:t>
             </a:r>
             <a:r>
-              <a:rPr lang="en-CA" sz="1800" dirty="0"/>
+              <a:rPr lang="en-CA" sz="1800"/>
               <a:t>, j)</a:t>
             </a:r>
             <a:endParaRPr lang="en-US"/>
@@ -4616,42 +4587,38 @@
               <a:t>ij</a:t>
             </a:r>
             <a:r>
-              <a:rPr lang="en-CA" sz="1800" dirty="0"/>
+              <a:rPr lang="en-CA" sz="1800"/>
               <a:t> - is considered true if the friendly King is in that space</a:t>
             </a:r>
-            <a:endParaRPr lang="en-CA" sz="1800"/>
           </a:p>
           <a:p>
             <a:pPr marL="305435" indent="-305435" fontAlgn="base"/>
             <a:r>
-              <a:rPr lang="en-CA" sz="1800" dirty="0"/>
+              <a:rPr lang="en-CA" sz="1800"/>
               <a:t>The logic for the friendly King applies for all enemies, for example:</a:t>
             </a:r>
-            <a:endParaRPr lang="en-CA" sz="1800"/>
           </a:p>
           <a:p>
             <a:pPr marL="629920" lvl="1" indent="-305435" fontAlgn="base"/>
             <a:r>
-              <a:rPr lang="en-CA" dirty="0" err="1"/>
+              <a:rPr lang="en-CA" err="1"/>
               <a:t>b</a:t>
             </a:r>
             <a:r>
-              <a:rPr lang="en-CA" baseline="-25000" dirty="0" err="1"/>
+              <a:rPr lang="en-CA" baseline="-25000" err="1"/>
               <a:t>ij</a:t>
             </a:r>
             <a:r>
-              <a:rPr lang="en-CA" dirty="0"/>
+              <a:rPr lang="en-CA"/>
               <a:t> is considered true if an enemy bishop occupies that square</a:t>
             </a:r>
-            <a:endParaRPr lang="en-CA"/>
           </a:p>
           <a:p>
             <a:pPr marL="629920" lvl="1" indent="-305435" fontAlgn="base"/>
             <a:r>
-              <a:rPr lang="en-CA" dirty="0"/>
+              <a:rPr lang="en-CA"/>
               <a:t>This applies to enemy pawns (p), enemy queens (q), enemy kings (k), enemy knights (n), and enemy rooks (r)</a:t>
             </a:r>
-            <a:endParaRPr lang="en-CA"/>
           </a:p>
         </p:txBody>
       </p:sp>
@@ -4829,10 +4796,10 @@
           <a:lstStyle/>
           <a:p>
             <a:r>
-              <a:rPr lang="en-US" dirty="0"/>
+              <a:rPr lang="en-US"/>
               <a:t>Constraints</a:t>
             </a:r>
-            <a:endParaRPr lang="en-CA" dirty="0"/>
+            <a:endParaRPr lang="en-CA"/>
           </a:p>
         </p:txBody>
       </p:sp>
@@ -4866,1241 +4833,1241 @@
           <a:p>
             <a:pPr fontAlgn="base"/>
             <a:r>
-              <a:rPr lang="en-CA" sz="1800" dirty="0" err="1"/>
+              <a:rPr lang="en-CA" sz="1800" err="1"/>
               <a:t>i</a:t>
             </a:r>
             <a:r>
-              <a:rPr lang="en-CA" sz="1800" dirty="0"/>
+              <a:rPr lang="en-CA" sz="1800"/>
               <a:t> and j must be within 1 and 8 inclusive</a:t>
             </a:r>
           </a:p>
           <a:p>
             <a:pPr fontAlgn="base"/>
             <a:r>
-              <a:rPr lang="en-CA" sz="1800" dirty="0"/>
+              <a:rPr lang="en-CA" sz="1800"/>
               <a:t>The Friendly King does not has a safe space to move to: </a:t>
             </a:r>
             <a:r>
-              <a:rPr lang="en-CA" sz="1800" dirty="0" err="1"/>
+              <a:rPr lang="en-CA" sz="1800" err="1"/>
               <a:t>K</a:t>
             </a:r>
             <a:r>
-              <a:rPr lang="en-CA" sz="1800" baseline="-25000" dirty="0" err="1"/>
+              <a:rPr lang="en-CA" sz="1800" baseline="-25000" err="1"/>
               <a:t>i,j</a:t>
             </a:r>
             <a:r>
-              <a:rPr lang="en-CA" sz="1800" baseline="-25000" dirty="0"/>
+              <a:rPr lang="en-CA" sz="1800" baseline="-25000"/>
               <a:t> </a:t>
             </a:r>
             <a:r>
-              <a:rPr lang="en-CA" sz="1800" dirty="0"/>
+              <a:rPr lang="en-CA" sz="1800"/>
               <a:t>→(S</a:t>
             </a:r>
             <a:r>
-              <a:rPr lang="en-CA" sz="1800" baseline="-25000" dirty="0"/>
+              <a:rPr lang="en-CA" sz="1800" baseline="-25000"/>
               <a:t>i+1,j-1</a:t>
             </a:r>
             <a:r>
-              <a:rPr lang="en-CA" sz="1800" dirty="0"/>
+              <a:rPr lang="en-CA" sz="1800"/>
               <a:t> </a:t>
             </a:r>
             <a:r>
-              <a:rPr lang="en-CA" sz="1400" b="1" dirty="0"/>
+              <a:rPr lang="en-CA" sz="1400" b="1"/>
               <a:t>∧</a:t>
             </a:r>
             <a:r>
-              <a:rPr lang="en-CA" sz="2000" dirty="0"/>
+              <a:rPr lang="en-CA" sz="2000"/>
               <a:t> </a:t>
             </a:r>
             <a:r>
-              <a:rPr lang="en-CA" sz="1800" dirty="0"/>
+              <a:rPr lang="en-CA" sz="1800"/>
               <a:t>S</a:t>
             </a:r>
             <a:r>
-              <a:rPr lang="en-CA" sz="1800" baseline="-25000" dirty="0"/>
+              <a:rPr lang="en-CA" sz="1800" baseline="-25000"/>
               <a:t>i+1,j</a:t>
             </a:r>
             <a:r>
-              <a:rPr lang="en-CA" sz="1800" dirty="0"/>
+              <a:rPr lang="en-CA" sz="1800"/>
               <a:t> </a:t>
             </a:r>
             <a:r>
-              <a:rPr lang="en-CA" sz="1400" b="1" dirty="0"/>
+              <a:rPr lang="en-CA" sz="1400" b="1"/>
               <a:t>∧</a:t>
             </a:r>
             <a:r>
-              <a:rPr lang="en-CA" sz="2000" dirty="0"/>
+              <a:rPr lang="en-CA" sz="2000"/>
               <a:t> </a:t>
             </a:r>
             <a:r>
-              <a:rPr lang="en-CA" sz="1800" dirty="0"/>
+              <a:rPr lang="en-CA" sz="1800"/>
               <a:t>S</a:t>
             </a:r>
             <a:r>
-              <a:rPr lang="en-CA" sz="1800" baseline="-25000" dirty="0"/>
+              <a:rPr lang="en-CA" sz="1800" baseline="-25000"/>
               <a:t>i+1,j+1</a:t>
             </a:r>
             <a:r>
-              <a:rPr lang="en-CA" sz="1800" dirty="0"/>
+              <a:rPr lang="en-CA" sz="1800"/>
               <a:t> </a:t>
             </a:r>
             <a:r>
-              <a:rPr lang="en-CA" sz="1400" b="1" dirty="0"/>
+              <a:rPr lang="en-CA" sz="1400" b="1"/>
               <a:t>∧</a:t>
             </a:r>
             <a:r>
-              <a:rPr lang="en-CA" sz="2000" dirty="0"/>
+              <a:rPr lang="en-CA" sz="2000"/>
               <a:t> </a:t>
             </a:r>
             <a:r>
-              <a:rPr lang="en-CA" sz="1800" dirty="0"/>
+              <a:rPr lang="en-CA" sz="1800"/>
               <a:t>S</a:t>
             </a:r>
             <a:r>
-              <a:rPr lang="en-CA" sz="1800" baseline="-25000" dirty="0"/>
+              <a:rPr lang="en-CA" sz="1800" baseline="-25000"/>
               <a:t>i,j+1</a:t>
             </a:r>
             <a:r>
-              <a:rPr lang="en-CA" sz="1800" dirty="0"/>
+              <a:rPr lang="en-CA" sz="1800"/>
               <a:t> </a:t>
             </a:r>
             <a:r>
-              <a:rPr lang="en-CA" sz="1400" b="1" dirty="0"/>
+              <a:rPr lang="en-CA" sz="1400" b="1"/>
               <a:t>∧</a:t>
             </a:r>
             <a:r>
-              <a:rPr lang="en-CA" sz="2000" dirty="0"/>
+              <a:rPr lang="en-CA" sz="2000"/>
               <a:t> </a:t>
             </a:r>
             <a:r>
-              <a:rPr lang="en-CA" sz="1800" dirty="0"/>
+              <a:rPr lang="en-CA" sz="1800"/>
               <a:t>S</a:t>
             </a:r>
             <a:r>
-              <a:rPr lang="en-CA" sz="1800" baseline="-25000" dirty="0"/>
+              <a:rPr lang="en-CA" sz="1800" baseline="-25000"/>
               <a:t>i,j-1</a:t>
             </a:r>
             <a:r>
-              <a:rPr lang="en-CA" sz="1800" dirty="0"/>
+              <a:rPr lang="en-CA" sz="1800"/>
               <a:t> </a:t>
             </a:r>
             <a:r>
-              <a:rPr lang="en-CA" sz="1400" b="1" dirty="0"/>
+              <a:rPr lang="en-CA" sz="1400" b="1"/>
               <a:t>∧</a:t>
             </a:r>
             <a:r>
-              <a:rPr lang="en-CA" sz="2000" dirty="0"/>
+              <a:rPr lang="en-CA" sz="2000"/>
               <a:t> </a:t>
             </a:r>
             <a:r>
-              <a:rPr lang="en-CA" sz="1800" dirty="0"/>
+              <a:rPr lang="en-CA" sz="1800"/>
               <a:t>S</a:t>
             </a:r>
             <a:r>
-              <a:rPr lang="en-CA" sz="1800" baseline="-25000" dirty="0"/>
+              <a:rPr lang="en-CA" sz="1800" baseline="-25000"/>
               <a:t>i-1,j-1</a:t>
             </a:r>
             <a:r>
-              <a:rPr lang="en-CA" sz="1800" dirty="0"/>
+              <a:rPr lang="en-CA" sz="1800"/>
               <a:t> </a:t>
             </a:r>
             <a:r>
-              <a:rPr lang="en-CA" sz="1400" b="1" dirty="0"/>
+              <a:rPr lang="en-CA" sz="1400" b="1"/>
               <a:t>∧</a:t>
             </a:r>
             <a:r>
-              <a:rPr lang="en-CA" sz="2000" dirty="0"/>
+              <a:rPr lang="en-CA" sz="2000"/>
               <a:t> </a:t>
             </a:r>
             <a:r>
-              <a:rPr lang="en-CA" sz="1800" dirty="0"/>
+              <a:rPr lang="en-CA" sz="1800"/>
               <a:t>S</a:t>
             </a:r>
             <a:r>
-              <a:rPr lang="en-CA" sz="1800" baseline="-25000" dirty="0"/>
+              <a:rPr lang="en-CA" sz="1800" baseline="-25000"/>
               <a:t>i-1,j</a:t>
             </a:r>
             <a:r>
-              <a:rPr lang="en-CA" sz="1800" dirty="0"/>
+              <a:rPr lang="en-CA" sz="1800"/>
               <a:t> </a:t>
             </a:r>
             <a:r>
-              <a:rPr lang="en-CA" sz="1400" b="1" dirty="0"/>
+              <a:rPr lang="en-CA" sz="1400" b="1"/>
               <a:t>∧</a:t>
             </a:r>
             <a:r>
-              <a:rPr lang="en-CA" sz="2000" dirty="0"/>
+              <a:rPr lang="en-CA" sz="2000"/>
               <a:t> </a:t>
             </a:r>
             <a:r>
-              <a:rPr lang="en-CA" sz="1800" dirty="0"/>
+              <a:rPr lang="en-CA" sz="1800"/>
               <a:t>S</a:t>
             </a:r>
             <a:r>
-              <a:rPr lang="en-CA" sz="1800" baseline="-25000" dirty="0"/>
+              <a:rPr lang="en-CA" sz="1800" baseline="-25000"/>
               <a:t>i-1,j+1</a:t>
             </a:r>
             <a:r>
-              <a:rPr lang="en-CA" sz="1800" dirty="0"/>
+              <a:rPr lang="en-CA" sz="1800"/>
               <a:t>)</a:t>
             </a:r>
           </a:p>
           <a:p>
             <a:pPr fontAlgn="base"/>
             <a:r>
-              <a:rPr lang="en-CA" sz="1800" dirty="0"/>
+              <a:rPr lang="en-CA" sz="1800"/>
               <a:t>The pawns cover diagonals in front of them: </a:t>
             </a:r>
             <a:r>
-              <a:rPr lang="en-CA" sz="1800" dirty="0" err="1"/>
+              <a:rPr lang="en-CA" sz="1800" err="1"/>
               <a:t>p</a:t>
             </a:r>
             <a:r>
-              <a:rPr lang="en-CA" sz="1800" baseline="-25000" dirty="0" err="1"/>
+              <a:rPr lang="en-CA" sz="1800" baseline="-25000" err="1"/>
               <a:t>i,j</a:t>
             </a:r>
             <a:r>
-              <a:rPr lang="en-CA" sz="1800" dirty="0"/>
+              <a:rPr lang="en-CA" sz="1800"/>
               <a:t> → (S</a:t>
             </a:r>
             <a:r>
-              <a:rPr lang="en-CA" sz="1800" baseline="-25000" dirty="0"/>
+              <a:rPr lang="en-CA" sz="1800" baseline="-25000"/>
               <a:t>i+1,j-1 </a:t>
             </a:r>
             <a:r>
-              <a:rPr lang="en-CA" sz="1400" b="1" dirty="0"/>
+              <a:rPr lang="en-CA" sz="1400" b="1"/>
               <a:t>∧</a:t>
             </a:r>
             <a:r>
-              <a:rPr lang="en-CA" sz="2000" dirty="0"/>
+              <a:rPr lang="en-CA" sz="2000"/>
               <a:t> </a:t>
             </a:r>
             <a:r>
-              <a:rPr lang="en-CA" sz="1800" dirty="0"/>
+              <a:rPr lang="en-CA" sz="1800"/>
               <a:t>S</a:t>
             </a:r>
             <a:r>
-              <a:rPr lang="en-CA" sz="1800" baseline="-25000" dirty="0"/>
+              <a:rPr lang="en-CA" sz="1800" baseline="-25000"/>
               <a:t>i+1,j+1</a:t>
             </a:r>
             <a:r>
-              <a:rPr lang="en-CA" sz="1800" dirty="0"/>
+              <a:rPr lang="en-CA" sz="1800"/>
               <a:t>)</a:t>
             </a:r>
           </a:p>
           <a:p>
             <a:pPr fontAlgn="base"/>
             <a:r>
-              <a:rPr lang="en-CA" sz="1800" dirty="0"/>
+              <a:rPr lang="en-CA" sz="1800"/>
               <a:t>rook covers up, down, left, right: </a:t>
             </a:r>
             <a:r>
-              <a:rPr lang="en-CA" sz="1800" dirty="0" err="1"/>
+              <a:rPr lang="en-CA" sz="1800" err="1"/>
               <a:t>r</a:t>
             </a:r>
             <a:r>
-              <a:rPr lang="en-CA" sz="1800" baseline="-25000" dirty="0" err="1"/>
+              <a:rPr lang="en-CA" sz="1800" baseline="-25000" err="1"/>
               <a:t>i,j</a:t>
             </a:r>
             <a:r>
-              <a:rPr lang="en-CA" sz="1800" dirty="0"/>
+              <a:rPr lang="en-CA" sz="1800"/>
               <a:t> → (S</a:t>
             </a:r>
             <a:r>
-              <a:rPr lang="en-CA" sz="1800" baseline="-25000" dirty="0"/>
+              <a:rPr lang="en-CA" sz="1800" baseline="-25000"/>
               <a:t>i-1,j</a:t>
             </a:r>
             <a:r>
-              <a:rPr lang="en-CA" sz="1800" dirty="0"/>
+              <a:rPr lang="en-CA" sz="1800"/>
               <a:t> </a:t>
             </a:r>
             <a:r>
-              <a:rPr lang="en-CA" sz="1400" b="1" dirty="0"/>
+              <a:rPr lang="en-CA" sz="1400" b="1"/>
               <a:t>∧</a:t>
             </a:r>
             <a:r>
-              <a:rPr lang="en-CA" sz="2000" dirty="0"/>
+              <a:rPr lang="en-CA" sz="2000"/>
               <a:t>…</a:t>
             </a:r>
             <a:r>
-              <a:rPr lang="en-CA" sz="1400" b="1" dirty="0"/>
+              <a:rPr lang="en-CA" sz="1400" b="1"/>
               <a:t>∧</a:t>
             </a:r>
             <a:r>
-              <a:rPr lang="en-CA" sz="1800" dirty="0"/>
+              <a:rPr lang="en-CA" sz="1800"/>
               <a:t>S</a:t>
             </a:r>
             <a:r>
-              <a:rPr lang="en-CA" sz="1800" baseline="-25000" dirty="0"/>
+              <a:rPr lang="en-CA" sz="1800" baseline="-25000"/>
               <a:t>i-7,j</a:t>
             </a:r>
             <a:r>
-              <a:rPr lang="en-CA" sz="1800" dirty="0"/>
+              <a:rPr lang="en-CA" sz="1800"/>
               <a:t> )</a:t>
             </a:r>
             <a:r>
-              <a:rPr lang="en-CA" sz="1400" b="1" dirty="0"/>
+              <a:rPr lang="en-CA" sz="1400" b="1"/>
               <a:t>∧</a:t>
             </a:r>
             <a:r>
-              <a:rPr lang="en-CA" sz="1800" dirty="0"/>
+              <a:rPr lang="en-CA" sz="1800"/>
               <a:t>(S</a:t>
             </a:r>
             <a:r>
-              <a:rPr lang="en-CA" sz="1800" baseline="-25000" dirty="0"/>
+              <a:rPr lang="en-CA" sz="1800" baseline="-25000"/>
               <a:t>i+1,j</a:t>
             </a:r>
             <a:r>
-              <a:rPr lang="en-CA" sz="1800" dirty="0"/>
+              <a:rPr lang="en-CA" sz="1800"/>
               <a:t> </a:t>
             </a:r>
             <a:r>
-              <a:rPr lang="en-CA" sz="1400" b="1" dirty="0"/>
+              <a:rPr lang="en-CA" sz="1400" b="1"/>
               <a:t>∧</a:t>
             </a:r>
             <a:r>
-              <a:rPr lang="en-CA" sz="2000" dirty="0"/>
+              <a:rPr lang="en-CA" sz="2000"/>
               <a:t>…</a:t>
             </a:r>
             <a:r>
-              <a:rPr lang="en-CA" sz="1400" b="1" dirty="0"/>
+              <a:rPr lang="en-CA" sz="1400" b="1"/>
               <a:t>∧</a:t>
             </a:r>
             <a:r>
-              <a:rPr lang="en-CA" sz="1800" dirty="0"/>
+              <a:rPr lang="en-CA" sz="1800"/>
               <a:t>S</a:t>
             </a:r>
             <a:r>
-              <a:rPr lang="en-CA" sz="1800" baseline="-25000" dirty="0"/>
+              <a:rPr lang="en-CA" sz="1800" baseline="-25000"/>
               <a:t>i+7,j</a:t>
             </a:r>
             <a:r>
-              <a:rPr lang="en-CA" sz="1800" dirty="0"/>
+              <a:rPr lang="en-CA" sz="1800"/>
               <a:t> )</a:t>
             </a:r>
             <a:r>
-              <a:rPr lang="en-CA" sz="1400" b="1" dirty="0"/>
+              <a:rPr lang="en-CA" sz="1400" b="1"/>
               <a:t>∧</a:t>
             </a:r>
             <a:r>
-              <a:rPr lang="en-CA" sz="1800" dirty="0"/>
+              <a:rPr lang="en-CA" sz="1800"/>
               <a:t>(S</a:t>
             </a:r>
             <a:r>
-              <a:rPr lang="en-CA" sz="1800" baseline="-25000" dirty="0"/>
+              <a:rPr lang="en-CA" sz="1800" baseline="-25000"/>
               <a:t>i,j-1</a:t>
             </a:r>
             <a:r>
-              <a:rPr lang="en-CA" sz="1800" dirty="0"/>
+              <a:rPr lang="en-CA" sz="1800"/>
               <a:t> </a:t>
             </a:r>
             <a:r>
-              <a:rPr lang="en-CA" sz="1400" b="1" dirty="0"/>
+              <a:rPr lang="en-CA" sz="1400" b="1"/>
               <a:t>∧</a:t>
             </a:r>
             <a:r>
-              <a:rPr lang="en-CA" sz="2000" dirty="0"/>
+              <a:rPr lang="en-CA" sz="2000"/>
               <a:t>…</a:t>
             </a:r>
             <a:r>
-              <a:rPr lang="en-CA" sz="1400" b="1" dirty="0"/>
+              <a:rPr lang="en-CA" sz="1400" b="1"/>
               <a:t>∧</a:t>
             </a:r>
             <a:r>
-              <a:rPr lang="en-CA" sz="1800" dirty="0"/>
+              <a:rPr lang="en-CA" sz="1800"/>
               <a:t>S</a:t>
             </a:r>
             <a:r>
-              <a:rPr lang="en-CA" sz="1800" baseline="-25000" dirty="0"/>
+              <a:rPr lang="en-CA" sz="1800" baseline="-25000"/>
               <a:t>i,j-7</a:t>
             </a:r>
             <a:r>
-              <a:rPr lang="en-CA" sz="1800" dirty="0"/>
+              <a:rPr lang="en-CA" sz="1800"/>
               <a:t>)</a:t>
             </a:r>
             <a:r>
-              <a:rPr lang="en-CA" sz="1400" b="1" dirty="0"/>
+              <a:rPr lang="en-CA" sz="1400" b="1"/>
               <a:t>∧</a:t>
             </a:r>
             <a:r>
-              <a:rPr lang="en-CA" sz="1800" dirty="0"/>
+              <a:rPr lang="en-CA" sz="1800"/>
               <a:t>(S</a:t>
             </a:r>
             <a:r>
-              <a:rPr lang="en-CA" sz="1800" baseline="-25000" dirty="0"/>
+              <a:rPr lang="en-CA" sz="1800" baseline="-25000"/>
               <a:t>i,j+1</a:t>
             </a:r>
             <a:r>
-              <a:rPr lang="en-CA" sz="1800" dirty="0"/>
+              <a:rPr lang="en-CA" sz="1800"/>
               <a:t> </a:t>
             </a:r>
             <a:r>
-              <a:rPr lang="en-CA" sz="1400" b="1" dirty="0"/>
+              <a:rPr lang="en-CA" sz="1400" b="1"/>
               <a:t>∧</a:t>
             </a:r>
             <a:r>
-              <a:rPr lang="en-CA" sz="2000" dirty="0"/>
+              <a:rPr lang="en-CA" sz="2000"/>
               <a:t>….</a:t>
             </a:r>
             <a:r>
-              <a:rPr lang="en-CA" sz="1800" dirty="0"/>
+              <a:rPr lang="en-CA" sz="1800"/>
               <a:t> </a:t>
             </a:r>
             <a:r>
-              <a:rPr lang="en-CA" sz="1400" b="1" dirty="0"/>
+              <a:rPr lang="en-CA" sz="1400" b="1"/>
               <a:t>∧</a:t>
             </a:r>
             <a:r>
-              <a:rPr lang="en-CA" sz="1800" dirty="0"/>
+              <a:rPr lang="en-CA" sz="1800"/>
               <a:t>S</a:t>
             </a:r>
             <a:r>
-              <a:rPr lang="en-CA" sz="1800" baseline="-25000" dirty="0"/>
+              <a:rPr lang="en-CA" sz="1800" baseline="-25000"/>
               <a:t>i,j+7</a:t>
             </a:r>
             <a:r>
-              <a:rPr lang="en-CA" sz="1800" dirty="0"/>
+              <a:rPr lang="en-CA" sz="1800"/>
               <a:t>)</a:t>
             </a:r>
           </a:p>
           <a:p>
             <a:pPr fontAlgn="base"/>
             <a:r>
-              <a:rPr lang="en-CA" sz="1800" dirty="0"/>
+              <a:rPr lang="en-CA" sz="1800"/>
               <a:t>Enemy bishop is diagonals : </a:t>
             </a:r>
             <a:r>
-              <a:rPr lang="en-CA" sz="1800" dirty="0" err="1"/>
+              <a:rPr lang="en-CA" sz="1800" err="1"/>
               <a:t>b</a:t>
             </a:r>
             <a:r>
-              <a:rPr lang="en-CA" sz="1800" baseline="-25000" dirty="0" err="1"/>
+              <a:rPr lang="en-CA" sz="1800" baseline="-25000" err="1"/>
               <a:t>i,j</a:t>
             </a:r>
             <a:r>
-              <a:rPr lang="en-CA" sz="1800" dirty="0"/>
+              <a:rPr lang="en-CA" sz="1800"/>
               <a:t> → (S</a:t>
             </a:r>
             <a:r>
-              <a:rPr lang="en-CA" sz="1800" baseline="-25000" dirty="0"/>
+              <a:rPr lang="en-CA" sz="1800" baseline="-25000"/>
               <a:t>i+1,j+1 </a:t>
             </a:r>
             <a:r>
-              <a:rPr lang="en-CA" sz="1400" b="1" dirty="0"/>
+              <a:rPr lang="en-CA" sz="1400" b="1"/>
               <a:t>∧</a:t>
             </a:r>
             <a:r>
-              <a:rPr lang="en-CA" sz="2000" dirty="0"/>
+              <a:rPr lang="en-CA" sz="2000"/>
               <a:t>…</a:t>
             </a:r>
             <a:r>
-              <a:rPr lang="en-CA" sz="1400" b="1" dirty="0"/>
+              <a:rPr lang="en-CA" sz="1400" b="1"/>
               <a:t>∧</a:t>
             </a:r>
             <a:r>
-              <a:rPr lang="en-CA" sz="1800" dirty="0"/>
+              <a:rPr lang="en-CA" sz="1800"/>
               <a:t>S</a:t>
             </a:r>
             <a:r>
-              <a:rPr lang="en-CA" sz="1800" baseline="-25000" dirty="0"/>
+              <a:rPr lang="en-CA" sz="1800" baseline="-25000"/>
               <a:t>i+7,j+7</a:t>
             </a:r>
             <a:r>
-              <a:rPr lang="en-CA" sz="1800" dirty="0"/>
+              <a:rPr lang="en-CA" sz="1800"/>
               <a:t>) </a:t>
             </a:r>
             <a:r>
-              <a:rPr lang="en-CA" sz="1400" b="1" dirty="0"/>
+              <a:rPr lang="en-CA" sz="1400" b="1"/>
               <a:t>∧ (</a:t>
             </a:r>
             <a:r>
-              <a:rPr lang="en-CA" sz="1800" dirty="0"/>
+              <a:rPr lang="en-CA" sz="1800"/>
               <a:t>S</a:t>
             </a:r>
             <a:r>
-              <a:rPr lang="en-CA" sz="1800" baseline="-25000" dirty="0"/>
+              <a:rPr lang="en-CA" sz="1800" baseline="-25000"/>
               <a:t>i-1,j-1 </a:t>
             </a:r>
             <a:r>
-              <a:rPr lang="en-CA" sz="1400" b="1" dirty="0"/>
+              <a:rPr lang="en-CA" sz="1400" b="1"/>
               <a:t>∧</a:t>
             </a:r>
             <a:r>
-              <a:rPr lang="en-CA" sz="2000" dirty="0"/>
+              <a:rPr lang="en-CA" sz="2000"/>
               <a:t>…</a:t>
             </a:r>
             <a:r>
-              <a:rPr lang="en-CA" sz="1400" b="1" dirty="0"/>
+              <a:rPr lang="en-CA" sz="1400" b="1"/>
               <a:t>∧</a:t>
             </a:r>
             <a:r>
-              <a:rPr lang="en-CA" sz="1800" dirty="0"/>
+              <a:rPr lang="en-CA" sz="1800"/>
               <a:t>S</a:t>
             </a:r>
             <a:r>
-              <a:rPr lang="en-CA" sz="1800" baseline="-25000" dirty="0"/>
+              <a:rPr lang="en-CA" sz="1800" baseline="-25000"/>
               <a:t>i-7,j-7</a:t>
             </a:r>
             <a:r>
-              <a:rPr lang="en-CA" sz="1800" dirty="0"/>
+              <a:rPr lang="en-CA" sz="1800"/>
               <a:t>) </a:t>
             </a:r>
             <a:r>
-              <a:rPr lang="en-CA" sz="1400" b="1" dirty="0"/>
+              <a:rPr lang="en-CA" sz="1400" b="1"/>
               <a:t>∧ (</a:t>
             </a:r>
             <a:r>
-              <a:rPr lang="en-CA" sz="1800" dirty="0"/>
+              <a:rPr lang="en-CA" sz="1800"/>
               <a:t>S</a:t>
             </a:r>
             <a:r>
-              <a:rPr lang="en-CA" sz="1800" baseline="-25000" dirty="0"/>
+              <a:rPr lang="en-CA" sz="1800" baseline="-25000"/>
               <a:t>i+1,j-1 </a:t>
             </a:r>
             <a:r>
-              <a:rPr lang="en-CA" sz="1400" b="1" dirty="0"/>
+              <a:rPr lang="en-CA" sz="1400" b="1"/>
               <a:t>∧</a:t>
             </a:r>
             <a:r>
-              <a:rPr lang="en-CA" sz="2000" dirty="0"/>
+              <a:rPr lang="en-CA" sz="2000"/>
               <a:t>…</a:t>
             </a:r>
             <a:r>
-              <a:rPr lang="en-CA" sz="1400" b="1" dirty="0"/>
+              <a:rPr lang="en-CA" sz="1400" b="1"/>
               <a:t>∧</a:t>
             </a:r>
             <a:r>
-              <a:rPr lang="en-CA" sz="1800" dirty="0"/>
+              <a:rPr lang="en-CA" sz="1800"/>
               <a:t>S</a:t>
             </a:r>
             <a:r>
-              <a:rPr lang="en-CA" sz="1800" baseline="-25000" dirty="0"/>
+              <a:rPr lang="en-CA" sz="1800" baseline="-25000"/>
               <a:t>i+7,j-7</a:t>
             </a:r>
             <a:r>
-              <a:rPr lang="en-CA" sz="1800" dirty="0"/>
+              <a:rPr lang="en-CA" sz="1800"/>
               <a:t>) </a:t>
             </a:r>
             <a:r>
-              <a:rPr lang="en-CA" sz="1400" b="1" dirty="0"/>
+              <a:rPr lang="en-CA" sz="1400" b="1"/>
               <a:t>∧ (</a:t>
             </a:r>
             <a:r>
-              <a:rPr lang="en-CA" sz="1800" dirty="0"/>
+              <a:rPr lang="en-CA" sz="1800"/>
               <a:t>S</a:t>
             </a:r>
             <a:r>
-              <a:rPr lang="en-CA" sz="1800" baseline="-25000" dirty="0"/>
+              <a:rPr lang="en-CA" sz="1800" baseline="-25000"/>
               <a:t>i-1,+-1 </a:t>
             </a:r>
             <a:r>
-              <a:rPr lang="en-CA" sz="1400" b="1" dirty="0"/>
+              <a:rPr lang="en-CA" sz="1400" b="1"/>
               <a:t>∧</a:t>
             </a:r>
             <a:r>
-              <a:rPr lang="en-CA" sz="2000" dirty="0"/>
+              <a:rPr lang="en-CA" sz="2000"/>
               <a:t>…</a:t>
             </a:r>
             <a:r>
-              <a:rPr lang="en-CA" sz="1400" b="1" dirty="0"/>
+              <a:rPr lang="en-CA" sz="1400" b="1"/>
               <a:t>∧</a:t>
             </a:r>
             <a:r>
-              <a:rPr lang="en-CA" sz="1800" dirty="0"/>
+              <a:rPr lang="en-CA" sz="1800"/>
               <a:t>S</a:t>
             </a:r>
             <a:r>
-              <a:rPr lang="en-CA" sz="1800" baseline="-25000" dirty="0"/>
+              <a:rPr lang="en-CA" sz="1800" baseline="-25000"/>
               <a:t>i-7,j+7</a:t>
             </a:r>
             <a:r>
-              <a:rPr lang="en-CA" sz="1800" dirty="0"/>
+              <a:rPr lang="en-CA" sz="1800"/>
               <a:t>)</a:t>
             </a:r>
           </a:p>
           <a:p>
             <a:pPr fontAlgn="base"/>
             <a:r>
-              <a:rPr lang="en-CA" sz="1800" dirty="0"/>
+              <a:rPr lang="en-CA" sz="1800"/>
               <a:t>Queen: </a:t>
             </a:r>
             <a:r>
-              <a:rPr lang="en-CA" sz="1800" dirty="0" err="1"/>
+              <a:rPr lang="en-CA" sz="1800" err="1"/>
               <a:t>q</a:t>
             </a:r>
             <a:r>
-              <a:rPr lang="en-CA" sz="1800" baseline="-25000" dirty="0" err="1"/>
+              <a:rPr lang="en-CA" sz="1800" baseline="-25000" err="1"/>
               <a:t>i,j</a:t>
             </a:r>
             <a:r>
-              <a:rPr lang="en-CA" sz="1800" dirty="0"/>
+              <a:rPr lang="en-CA" sz="1800"/>
               <a:t> → combines the constraints of rook and bishop</a:t>
             </a:r>
           </a:p>
           <a:p>
             <a:pPr fontAlgn="base"/>
             <a:r>
-              <a:rPr lang="en-CA" sz="1800" dirty="0"/>
+              <a:rPr lang="en-CA" sz="1800"/>
               <a:t>The enemy king covers the spaces around them: </a:t>
             </a:r>
             <a:r>
-              <a:rPr lang="en-CA" sz="1800" dirty="0" err="1"/>
+              <a:rPr lang="en-CA" sz="1800" err="1"/>
               <a:t>k</a:t>
             </a:r>
             <a:r>
-              <a:rPr lang="en-CA" sz="1800" baseline="-25000" dirty="0" err="1"/>
+              <a:rPr lang="en-CA" sz="1800" baseline="-25000" err="1"/>
               <a:t>i,j</a:t>
             </a:r>
             <a:r>
-              <a:rPr lang="en-CA" sz="1800" dirty="0"/>
+              <a:rPr lang="en-CA" sz="1800"/>
               <a:t> → (S</a:t>
             </a:r>
             <a:r>
-              <a:rPr lang="en-CA" sz="1800" baseline="-25000" dirty="0"/>
+              <a:rPr lang="en-CA" sz="1800" baseline="-25000"/>
               <a:t>i+1,j-1</a:t>
             </a:r>
             <a:r>
-              <a:rPr lang="en-CA" sz="1800" dirty="0"/>
+              <a:rPr lang="en-CA" sz="1800"/>
               <a:t> </a:t>
             </a:r>
             <a:r>
-              <a:rPr lang="en-CA" sz="1400" b="1" dirty="0"/>
+              <a:rPr lang="en-CA" sz="1400" b="1"/>
               <a:t>∧</a:t>
             </a:r>
             <a:r>
-              <a:rPr lang="en-CA" sz="2000" dirty="0"/>
+              <a:rPr lang="en-CA" sz="2000"/>
               <a:t> </a:t>
             </a:r>
             <a:r>
-              <a:rPr lang="en-CA" sz="1800" dirty="0"/>
+              <a:rPr lang="en-CA" sz="1800"/>
               <a:t>S</a:t>
             </a:r>
             <a:r>
-              <a:rPr lang="en-CA" sz="1800" baseline="-25000" dirty="0"/>
+              <a:rPr lang="en-CA" sz="1800" baseline="-25000"/>
               <a:t>i+1,j</a:t>
             </a:r>
             <a:r>
-              <a:rPr lang="en-CA" sz="1800" dirty="0"/>
+              <a:rPr lang="en-CA" sz="1800"/>
               <a:t> </a:t>
             </a:r>
             <a:r>
-              <a:rPr lang="en-CA" sz="1400" b="1" dirty="0"/>
+              <a:rPr lang="en-CA" sz="1400" b="1"/>
               <a:t>∧</a:t>
             </a:r>
             <a:r>
-              <a:rPr lang="en-CA" sz="2000" dirty="0"/>
+              <a:rPr lang="en-CA" sz="2000"/>
               <a:t> </a:t>
             </a:r>
             <a:r>
-              <a:rPr lang="en-CA" sz="1800" dirty="0"/>
+              <a:rPr lang="en-CA" sz="1800"/>
               <a:t>S</a:t>
             </a:r>
             <a:r>
-              <a:rPr lang="en-CA" sz="1800" baseline="-25000" dirty="0"/>
+              <a:rPr lang="en-CA" sz="1800" baseline="-25000"/>
               <a:t>i+1,j+1</a:t>
             </a:r>
             <a:r>
-              <a:rPr lang="en-CA" sz="1800" dirty="0"/>
+              <a:rPr lang="en-CA" sz="1800"/>
               <a:t> </a:t>
             </a:r>
             <a:r>
-              <a:rPr lang="en-CA" sz="1400" b="1" dirty="0"/>
+              <a:rPr lang="en-CA" sz="1400" b="1"/>
               <a:t>∧</a:t>
             </a:r>
             <a:r>
-              <a:rPr lang="en-CA" sz="2000" dirty="0"/>
+              <a:rPr lang="en-CA" sz="2000"/>
               <a:t> </a:t>
             </a:r>
             <a:r>
-              <a:rPr lang="en-CA" sz="1800" dirty="0"/>
+              <a:rPr lang="en-CA" sz="1800"/>
               <a:t>S</a:t>
             </a:r>
             <a:r>
-              <a:rPr lang="en-CA" sz="1800" baseline="-25000" dirty="0"/>
+              <a:rPr lang="en-CA" sz="1800" baseline="-25000"/>
               <a:t>i,j+1</a:t>
             </a:r>
             <a:r>
-              <a:rPr lang="en-CA" sz="1800" dirty="0"/>
+              <a:rPr lang="en-CA" sz="1800"/>
               <a:t> </a:t>
             </a:r>
             <a:r>
-              <a:rPr lang="en-CA" sz="1400" b="1" dirty="0"/>
+              <a:rPr lang="en-CA" sz="1400" b="1"/>
               <a:t>∧</a:t>
             </a:r>
             <a:r>
-              <a:rPr lang="en-CA" sz="2000" dirty="0"/>
+              <a:rPr lang="en-CA" sz="2000"/>
               <a:t> </a:t>
             </a:r>
             <a:r>
-              <a:rPr lang="en-CA" sz="1800" dirty="0"/>
+              <a:rPr lang="en-CA" sz="1800"/>
               <a:t>S</a:t>
             </a:r>
             <a:r>
-              <a:rPr lang="en-CA" sz="1800" baseline="-25000" dirty="0"/>
+              <a:rPr lang="en-CA" sz="1800" baseline="-25000"/>
               <a:t>i,j-1</a:t>
             </a:r>
             <a:r>
-              <a:rPr lang="en-CA" sz="1800" dirty="0"/>
+              <a:rPr lang="en-CA" sz="1800"/>
               <a:t> </a:t>
             </a:r>
             <a:r>
-              <a:rPr lang="en-CA" sz="1400" b="1" dirty="0"/>
+              <a:rPr lang="en-CA" sz="1400" b="1"/>
               <a:t>∧</a:t>
             </a:r>
             <a:r>
-              <a:rPr lang="en-CA" sz="2000" dirty="0"/>
+              <a:rPr lang="en-CA" sz="2000"/>
               <a:t> </a:t>
             </a:r>
             <a:r>
-              <a:rPr lang="en-CA" sz="1800" dirty="0"/>
+              <a:rPr lang="en-CA" sz="1800"/>
               <a:t>S</a:t>
             </a:r>
             <a:r>
-              <a:rPr lang="en-CA" sz="1800" baseline="-25000" dirty="0"/>
+              <a:rPr lang="en-CA" sz="1800" baseline="-25000"/>
               <a:t>i-1,j-1</a:t>
             </a:r>
             <a:r>
-              <a:rPr lang="en-CA" sz="1800" dirty="0"/>
+              <a:rPr lang="en-CA" sz="1800"/>
               <a:t> </a:t>
             </a:r>
             <a:r>
-              <a:rPr lang="en-CA" sz="1400" b="1" dirty="0"/>
+              <a:rPr lang="en-CA" sz="1400" b="1"/>
               <a:t>∧</a:t>
             </a:r>
             <a:r>
-              <a:rPr lang="en-CA" sz="2000" dirty="0"/>
+              <a:rPr lang="en-CA" sz="2000"/>
               <a:t> </a:t>
             </a:r>
             <a:r>
-              <a:rPr lang="en-CA" sz="1800" dirty="0"/>
+              <a:rPr lang="en-CA" sz="1800"/>
               <a:t>S</a:t>
             </a:r>
             <a:r>
-              <a:rPr lang="en-CA" sz="1800" baseline="-25000" dirty="0"/>
+              <a:rPr lang="en-CA" sz="1800" baseline="-25000"/>
               <a:t>i-1,j</a:t>
             </a:r>
             <a:r>
-              <a:rPr lang="en-CA" sz="1800" dirty="0"/>
+              <a:rPr lang="en-CA" sz="1800"/>
               <a:t> </a:t>
             </a:r>
             <a:r>
-              <a:rPr lang="en-CA" sz="1400" b="1" dirty="0"/>
+              <a:rPr lang="en-CA" sz="1400" b="1"/>
               <a:t>∧</a:t>
             </a:r>
             <a:r>
-              <a:rPr lang="en-CA" sz="2000" dirty="0"/>
+              <a:rPr lang="en-CA" sz="2000"/>
               <a:t> </a:t>
             </a:r>
             <a:r>
-              <a:rPr lang="en-CA" sz="1800" dirty="0"/>
+              <a:rPr lang="en-CA" sz="1800"/>
               <a:t>S</a:t>
             </a:r>
             <a:r>
-              <a:rPr lang="en-CA" sz="1800" baseline="-25000" dirty="0"/>
+              <a:rPr lang="en-CA" sz="1800" baseline="-25000"/>
               <a:t>i-1,j+1</a:t>
             </a:r>
             <a:r>
-              <a:rPr lang="en-CA" sz="1800" dirty="0"/>
+              <a:rPr lang="en-CA" sz="1800"/>
               <a:t>)</a:t>
             </a:r>
           </a:p>
           <a:p>
             <a:pPr fontAlgn="base"/>
             <a:r>
-              <a:rPr lang="en-CA" sz="1800" dirty="0"/>
+              <a:rPr lang="en-CA" sz="1800"/>
               <a:t>The knight covers the other end of the L: </a:t>
             </a:r>
             <a:r>
-              <a:rPr lang="en-CA" sz="1800" dirty="0" err="1"/>
+              <a:rPr lang="en-CA" sz="1800" err="1"/>
               <a:t>n</a:t>
             </a:r>
             <a:r>
-              <a:rPr lang="en-CA" sz="1800" baseline="-25000" dirty="0" err="1"/>
+              <a:rPr lang="en-CA" sz="1800" baseline="-25000" err="1"/>
               <a:t>i,j</a:t>
             </a:r>
             <a:r>
-              <a:rPr lang="en-CA" sz="1800" dirty="0"/>
+              <a:rPr lang="en-CA" sz="1800"/>
               <a:t> → (S</a:t>
             </a:r>
             <a:r>
-              <a:rPr lang="en-CA" sz="1800" baseline="-25000" dirty="0"/>
+              <a:rPr lang="en-CA" sz="1800" baseline="-25000"/>
               <a:t>i+1,j-2 </a:t>
             </a:r>
             <a:r>
-              <a:rPr lang="en-CA" sz="1400" b="1" dirty="0"/>
+              <a:rPr lang="en-CA" sz="1400" b="1"/>
               <a:t>∧</a:t>
             </a:r>
             <a:r>
-              <a:rPr lang="en-CA" sz="1800" dirty="0"/>
+              <a:rPr lang="en-CA" sz="1800"/>
               <a:t>S</a:t>
             </a:r>
             <a:r>
-              <a:rPr lang="en-CA" sz="1800" baseline="-25000" dirty="0"/>
+              <a:rPr lang="en-CA" sz="1800" baseline="-25000"/>
               <a:t>i+2,j-1 </a:t>
             </a:r>
             <a:r>
-              <a:rPr lang="en-CA" sz="1400" b="1" dirty="0"/>
+              <a:rPr lang="en-CA" sz="1400" b="1"/>
               <a:t>∧</a:t>
             </a:r>
             <a:r>
-              <a:rPr lang="en-CA" sz="1800" dirty="0"/>
+              <a:rPr lang="en-CA" sz="1800"/>
               <a:t>S</a:t>
             </a:r>
             <a:r>
-              <a:rPr lang="en-CA" sz="1800" baseline="-25000" dirty="0"/>
+              <a:rPr lang="en-CA" sz="1800" baseline="-25000"/>
               <a:t>i+2,j+1 </a:t>
             </a:r>
             <a:r>
-              <a:rPr lang="en-CA" sz="1400" b="1" dirty="0"/>
+              <a:rPr lang="en-CA" sz="1400" b="1"/>
               <a:t>∧</a:t>
             </a:r>
             <a:r>
-              <a:rPr lang="en-CA" sz="1800" dirty="0"/>
+              <a:rPr lang="en-CA" sz="1800"/>
               <a:t>S</a:t>
             </a:r>
             <a:r>
-              <a:rPr lang="en-CA" sz="1800" baseline="-25000" dirty="0"/>
+              <a:rPr lang="en-CA" sz="1800" baseline="-25000"/>
               <a:t>i+1,j+2 </a:t>
             </a:r>
             <a:r>
-              <a:rPr lang="en-CA" sz="1400" b="1" dirty="0"/>
+              <a:rPr lang="en-CA" sz="1400" b="1"/>
               <a:t>∧</a:t>
             </a:r>
             <a:r>
-              <a:rPr lang="en-CA" sz="1800" dirty="0"/>
+              <a:rPr lang="en-CA" sz="1800"/>
               <a:t>S</a:t>
             </a:r>
             <a:r>
-              <a:rPr lang="en-CA" sz="1800" baseline="-25000" dirty="0"/>
+              <a:rPr lang="en-CA" sz="1800" baseline="-25000"/>
               <a:t>i-1,j+2 </a:t>
             </a:r>
             <a:r>
-              <a:rPr lang="en-CA" sz="1400" b="1" dirty="0"/>
+              <a:rPr lang="en-CA" sz="1400" b="1"/>
               <a:t>∧</a:t>
             </a:r>
             <a:r>
-              <a:rPr lang="en-CA" sz="1800" dirty="0"/>
+              <a:rPr lang="en-CA" sz="1800"/>
               <a:t>S</a:t>
             </a:r>
             <a:r>
-              <a:rPr lang="en-CA" sz="1800" baseline="-25000" dirty="0"/>
+              <a:rPr lang="en-CA" sz="1800" baseline="-25000"/>
               <a:t>i-2,j+1 </a:t>
             </a:r>
             <a:r>
-              <a:rPr lang="en-CA" sz="1400" b="1" dirty="0"/>
+              <a:rPr lang="en-CA" sz="1400" b="1"/>
               <a:t>∧</a:t>
             </a:r>
             <a:r>
-              <a:rPr lang="en-CA" sz="1800" dirty="0"/>
+              <a:rPr lang="en-CA" sz="1800"/>
               <a:t>S</a:t>
             </a:r>
             <a:r>
-              <a:rPr lang="en-CA" sz="1800" baseline="-25000" dirty="0"/>
+              <a:rPr lang="en-CA" sz="1800" baseline="-25000"/>
               <a:t>i-2,j-1 </a:t>
             </a:r>
             <a:r>
-              <a:rPr lang="en-CA" sz="1400" b="1" dirty="0"/>
+              <a:rPr lang="en-CA" sz="1400" b="1"/>
               <a:t>∧</a:t>
             </a:r>
             <a:r>
-              <a:rPr lang="en-CA" sz="1800" dirty="0"/>
+              <a:rPr lang="en-CA" sz="1800"/>
               <a:t>S</a:t>
             </a:r>
             <a:r>
-              <a:rPr lang="en-CA" sz="1800" baseline="-25000" dirty="0"/>
+              <a:rPr lang="en-CA" sz="1800" baseline="-25000"/>
               <a:t>i-11,j-2 </a:t>
             </a:r>
             <a:r>
-              <a:rPr lang="en-CA" sz="1800" dirty="0"/>
+              <a:rPr lang="en-CA" sz="1800"/>
               <a:t>)</a:t>
             </a:r>
           </a:p>
           <a:p>
             <a:pPr fontAlgn="base"/>
             <a:r>
-              <a:rPr lang="en-CA" sz="1800" dirty="0"/>
+              <a:rPr lang="en-CA" sz="1800"/>
               <a:t>Multiple pieces cannot occupy the same space: </a:t>
             </a:r>
           </a:p>
           <a:p>
             <a:pPr lvl="1" fontAlgn="base"/>
             <a:r>
-              <a:rPr lang="en-CA" dirty="0" err="1"/>
+              <a:rPr lang="en-CA" err="1"/>
               <a:t>q</a:t>
             </a:r>
             <a:r>
-              <a:rPr lang="en-CA" baseline="-25000" dirty="0" err="1"/>
+              <a:rPr lang="en-CA" baseline="-25000" err="1"/>
               <a:t>i,j</a:t>
             </a:r>
             <a:r>
-              <a:rPr lang="en-CA" dirty="0"/>
+              <a:rPr lang="en-CA"/>
               <a:t> → </a:t>
             </a:r>
             <a:r>
-              <a:rPr lang="en-CA" sz="1600" dirty="0"/>
+              <a:rPr lang="en-CA" sz="1600"/>
               <a:t>¬</a:t>
             </a:r>
             <a:r>
-              <a:rPr lang="en-CA" dirty="0" err="1"/>
+              <a:rPr lang="en-CA" err="1"/>
               <a:t>r</a:t>
             </a:r>
             <a:r>
-              <a:rPr lang="en-CA" baseline="-25000" dirty="0" err="1"/>
+              <a:rPr lang="en-CA" baseline="-25000" err="1"/>
               <a:t>i,j</a:t>
             </a:r>
             <a:r>
-              <a:rPr lang="en-CA" dirty="0"/>
+              <a:rPr lang="en-CA"/>
               <a:t> </a:t>
             </a:r>
             <a:r>
-              <a:rPr lang="en-CA" sz="1100" b="1" dirty="0"/>
+              <a:rPr lang="en-CA" sz="1100" b="1"/>
               <a:t>∧ </a:t>
             </a:r>
             <a:r>
-              <a:rPr lang="en-CA" sz="1600" dirty="0"/>
+              <a:rPr lang="en-CA" sz="1600"/>
               <a:t>¬</a:t>
             </a:r>
             <a:r>
-              <a:rPr lang="en-CA" dirty="0" err="1"/>
+              <a:rPr lang="en-CA" err="1"/>
               <a:t>b</a:t>
             </a:r>
             <a:r>
-              <a:rPr lang="en-CA" baseline="-25000" dirty="0" err="1"/>
+              <a:rPr lang="en-CA" baseline="-25000" err="1"/>
               <a:t>i,j</a:t>
             </a:r>
             <a:r>
-              <a:rPr lang="en-CA" dirty="0"/>
+              <a:rPr lang="en-CA"/>
               <a:t> </a:t>
             </a:r>
             <a:r>
-              <a:rPr lang="en-CA" sz="1100" b="1" dirty="0"/>
+              <a:rPr lang="en-CA" sz="1100" b="1"/>
               <a:t>∧ </a:t>
             </a:r>
             <a:r>
-              <a:rPr lang="en-CA" sz="1600" dirty="0"/>
+              <a:rPr lang="en-CA" sz="1600"/>
               <a:t>¬</a:t>
             </a:r>
             <a:r>
-              <a:rPr lang="en-CA" dirty="0" err="1"/>
+              <a:rPr lang="en-CA" err="1"/>
               <a:t>n</a:t>
             </a:r>
             <a:r>
-              <a:rPr lang="en-CA" baseline="-25000" dirty="0" err="1"/>
+              <a:rPr lang="en-CA" baseline="-25000" err="1"/>
               <a:t>i,j</a:t>
             </a:r>
             <a:r>
-              <a:rPr lang="en-CA" dirty="0"/>
+              <a:rPr lang="en-CA"/>
               <a:t> </a:t>
             </a:r>
             <a:r>
-              <a:rPr lang="en-CA" sz="1100" b="1" dirty="0"/>
+              <a:rPr lang="en-CA" sz="1100" b="1"/>
               <a:t>∧ </a:t>
             </a:r>
             <a:r>
-              <a:rPr lang="en-CA" sz="1600" dirty="0"/>
+              <a:rPr lang="en-CA" sz="1600"/>
               <a:t>¬</a:t>
             </a:r>
             <a:r>
-              <a:rPr lang="en-CA" dirty="0" err="1"/>
+              <a:rPr lang="en-CA" err="1"/>
               <a:t>k</a:t>
             </a:r>
             <a:r>
-              <a:rPr lang="en-CA" baseline="-25000" dirty="0" err="1"/>
+              <a:rPr lang="en-CA" baseline="-25000" err="1"/>
               <a:t>i,j</a:t>
             </a:r>
             <a:r>
-              <a:rPr lang="en-CA" dirty="0"/>
+              <a:rPr lang="en-CA"/>
               <a:t> </a:t>
             </a:r>
             <a:r>
-              <a:rPr lang="en-CA" sz="1100" b="1" dirty="0"/>
+              <a:rPr lang="en-CA" sz="1100" b="1"/>
               <a:t>∧ </a:t>
             </a:r>
             <a:r>
-              <a:rPr lang="en-CA" sz="1600" dirty="0"/>
+              <a:rPr lang="en-CA" sz="1600"/>
               <a:t>¬</a:t>
             </a:r>
             <a:r>
-              <a:rPr lang="en-CA" dirty="0" err="1"/>
+              <a:rPr lang="en-CA" err="1"/>
               <a:t>p</a:t>
             </a:r>
             <a:r>
-              <a:rPr lang="en-CA" baseline="-25000" dirty="0" err="1"/>
+              <a:rPr lang="en-CA" baseline="-25000" err="1"/>
               <a:t>i,j</a:t>
             </a:r>
             <a:r>
-              <a:rPr lang="en-CA" dirty="0"/>
+              <a:rPr lang="en-CA"/>
               <a:t> </a:t>
             </a:r>
             <a:r>
-              <a:rPr lang="en-CA" sz="1100" b="1" dirty="0"/>
+              <a:rPr lang="en-CA" sz="1100" b="1"/>
               <a:t>∧ </a:t>
             </a:r>
             <a:r>
-              <a:rPr lang="en-CA" sz="1600" dirty="0"/>
+              <a:rPr lang="en-CA" sz="1600"/>
               <a:t>¬</a:t>
             </a:r>
             <a:r>
-              <a:rPr lang="en-CA" dirty="0" err="1"/>
+              <a:rPr lang="en-CA" err="1"/>
               <a:t>K</a:t>
             </a:r>
             <a:r>
-              <a:rPr lang="en-CA" baseline="-25000" dirty="0" err="1"/>
+              <a:rPr lang="en-CA" baseline="-25000" err="1"/>
               <a:t>i,j</a:t>
             </a:r>
-            <a:endParaRPr lang="en-CA" dirty="0"/>
+            <a:endParaRPr lang="en-CA"/>
           </a:p>
           <a:p>
             <a:pPr lvl="1" fontAlgn="base"/>
             <a:r>
-              <a:rPr lang="en-CA" dirty="0" err="1"/>
+              <a:rPr lang="en-CA" err="1"/>
               <a:t>r</a:t>
             </a:r>
             <a:r>
-              <a:rPr lang="en-CA" baseline="-25000" dirty="0" err="1"/>
+              <a:rPr lang="en-CA" baseline="-25000" err="1"/>
               <a:t>i,j</a:t>
             </a:r>
             <a:r>
-              <a:rPr lang="en-CA" dirty="0"/>
+              <a:rPr lang="en-CA"/>
               <a:t> → </a:t>
             </a:r>
             <a:r>
-              <a:rPr lang="en-CA" sz="1600" dirty="0"/>
+              <a:rPr lang="en-CA" sz="1600"/>
               <a:t>¬</a:t>
             </a:r>
             <a:r>
-              <a:rPr lang="en-CA" dirty="0" err="1"/>
+              <a:rPr lang="en-CA" err="1"/>
               <a:t>q</a:t>
             </a:r>
             <a:r>
-              <a:rPr lang="en-CA" baseline="-25000" dirty="0" err="1"/>
+              <a:rPr lang="en-CA" baseline="-25000" err="1"/>
               <a:t>i,j</a:t>
             </a:r>
             <a:r>
-              <a:rPr lang="en-CA" dirty="0"/>
+              <a:rPr lang="en-CA"/>
               <a:t> </a:t>
             </a:r>
             <a:r>
-              <a:rPr lang="en-CA" sz="1100" b="1" dirty="0"/>
+              <a:rPr lang="en-CA" sz="1100" b="1"/>
               <a:t>∧ </a:t>
             </a:r>
             <a:r>
-              <a:rPr lang="en-CA" sz="1600" dirty="0"/>
+              <a:rPr lang="en-CA" sz="1600"/>
               <a:t>¬</a:t>
             </a:r>
             <a:r>
-              <a:rPr lang="en-CA" dirty="0" err="1"/>
+              <a:rPr lang="en-CA" err="1"/>
               <a:t>b</a:t>
             </a:r>
             <a:r>
-              <a:rPr lang="en-CA" baseline="-25000" dirty="0" err="1"/>
+              <a:rPr lang="en-CA" baseline="-25000" err="1"/>
               <a:t>i,j</a:t>
             </a:r>
             <a:r>
-              <a:rPr lang="en-CA" dirty="0"/>
+              <a:rPr lang="en-CA"/>
               <a:t> </a:t>
             </a:r>
             <a:r>
-              <a:rPr lang="en-CA" sz="1100" b="1" dirty="0"/>
+              <a:rPr lang="en-CA" sz="1100" b="1"/>
               <a:t>∧ </a:t>
             </a:r>
             <a:r>
-              <a:rPr lang="en-CA" sz="1600" dirty="0"/>
+              <a:rPr lang="en-CA" sz="1600"/>
               <a:t>¬</a:t>
             </a:r>
             <a:r>
-              <a:rPr lang="en-CA" dirty="0" err="1"/>
+              <a:rPr lang="en-CA" err="1"/>
               <a:t>n</a:t>
             </a:r>
             <a:r>
-              <a:rPr lang="en-CA" baseline="-25000" dirty="0" err="1"/>
+              <a:rPr lang="en-CA" baseline="-25000" err="1"/>
               <a:t>i,j</a:t>
             </a:r>
             <a:r>
-              <a:rPr lang="en-CA" dirty="0"/>
+              <a:rPr lang="en-CA"/>
               <a:t> </a:t>
             </a:r>
             <a:r>
-              <a:rPr lang="en-CA" sz="1100" b="1" dirty="0"/>
+              <a:rPr lang="en-CA" sz="1100" b="1"/>
               <a:t>∧ </a:t>
             </a:r>
             <a:r>
-              <a:rPr lang="en-CA" sz="1600" dirty="0"/>
+              <a:rPr lang="en-CA" sz="1600"/>
               <a:t>¬</a:t>
             </a:r>
             <a:r>
-              <a:rPr lang="en-CA" dirty="0" err="1"/>
+              <a:rPr lang="en-CA" err="1"/>
               <a:t>k</a:t>
             </a:r>
             <a:r>
-              <a:rPr lang="en-CA" baseline="-25000" dirty="0" err="1"/>
+              <a:rPr lang="en-CA" baseline="-25000" err="1"/>
               <a:t>i,j</a:t>
             </a:r>
             <a:r>
-              <a:rPr lang="en-CA" dirty="0"/>
+              <a:rPr lang="en-CA"/>
               <a:t> </a:t>
             </a:r>
             <a:r>
-              <a:rPr lang="en-CA" sz="1100" b="1" dirty="0"/>
+              <a:rPr lang="en-CA" sz="1100" b="1"/>
               <a:t>∧ </a:t>
             </a:r>
             <a:r>
-              <a:rPr lang="en-CA" sz="1600" dirty="0"/>
+              <a:rPr lang="en-CA" sz="1600"/>
               <a:t>¬</a:t>
             </a:r>
             <a:r>
-              <a:rPr lang="en-CA" dirty="0" err="1"/>
+              <a:rPr lang="en-CA" err="1"/>
               <a:t>p</a:t>
             </a:r>
             <a:r>
-              <a:rPr lang="en-CA" baseline="-25000" dirty="0" err="1"/>
+              <a:rPr lang="en-CA" baseline="-25000" err="1"/>
               <a:t>i,j</a:t>
             </a:r>
             <a:r>
-              <a:rPr lang="en-CA" dirty="0"/>
+              <a:rPr lang="en-CA"/>
               <a:t> </a:t>
             </a:r>
             <a:r>
-              <a:rPr lang="en-CA" sz="1100" b="1" dirty="0"/>
+              <a:rPr lang="en-CA" sz="1100" b="1"/>
               <a:t>∧ </a:t>
             </a:r>
             <a:r>
-              <a:rPr lang="en-CA" sz="1600" dirty="0"/>
+              <a:rPr lang="en-CA" sz="1600"/>
               <a:t>¬</a:t>
             </a:r>
             <a:r>
-              <a:rPr lang="en-CA" dirty="0" err="1"/>
+              <a:rPr lang="en-CA" err="1"/>
               <a:t>K</a:t>
             </a:r>
             <a:r>
-              <a:rPr lang="en-CA" baseline="-25000" dirty="0" err="1"/>
+              <a:rPr lang="en-CA" baseline="-25000" err="1"/>
               <a:t>i,j</a:t>
             </a:r>
-            <a:endParaRPr lang="en-CA" dirty="0"/>
+            <a:endParaRPr lang="en-CA"/>
           </a:p>
           <a:p>
             <a:pPr lvl="1" fontAlgn="base"/>
             <a:r>
-              <a:rPr lang="en-CA" dirty="0"/>
+              <a:rPr lang="en-CA"/>
               <a:t>… And so on for every enemy piece</a:t>
             </a:r>
           </a:p>
           <a:p>
             <a:pPr fontAlgn="base"/>
             <a:r>
-              <a:rPr lang="en-CA" sz="1800" dirty="0"/>
+              <a:rPr lang="en-CA" sz="1800"/>
               <a:t>There is only one friendly King:</a:t>
             </a:r>
           </a:p>
           <a:p>
             <a:pPr lvl="1" fontAlgn="base"/>
             <a:r>
-              <a:rPr lang="en-CA" dirty="0" err="1"/>
+              <a:rPr lang="en-CA" err="1"/>
               <a:t>K</a:t>
             </a:r>
             <a:r>
-              <a:rPr lang="en-CA" baseline="-25000" dirty="0" err="1"/>
+              <a:rPr lang="en-CA" baseline="-25000" err="1"/>
               <a:t>i,j</a:t>
             </a:r>
             <a:r>
-              <a:rPr lang="en-CA" dirty="0"/>
+              <a:rPr lang="en-CA"/>
               <a:t> → (</a:t>
             </a:r>
             <a:r>
-              <a:rPr lang="en-CA" sz="1600" dirty="0"/>
+              <a:rPr lang="en-CA" sz="1600"/>
               <a:t>¬</a:t>
             </a:r>
             <a:r>
-              <a:rPr lang="en-CA" dirty="0"/>
+              <a:rPr lang="en-CA"/>
               <a:t>K</a:t>
             </a:r>
             <a:r>
-              <a:rPr lang="en-CA" baseline="-25000" dirty="0"/>
+              <a:rPr lang="en-CA" baseline="-25000"/>
               <a:t>i+1,j</a:t>
             </a:r>
             <a:r>
-              <a:rPr lang="en-CA" dirty="0"/>
+              <a:rPr lang="en-CA"/>
               <a:t> </a:t>
             </a:r>
             <a:r>
-              <a:rPr lang="en-CA" sz="1100" b="1" dirty="0"/>
+              <a:rPr lang="en-CA" sz="1100" b="1"/>
               <a:t>∧ </a:t>
             </a:r>
             <a:r>
-              <a:rPr lang="en-CA" sz="1600" dirty="0"/>
+              <a:rPr lang="en-CA" sz="1600"/>
               <a:t>¬</a:t>
             </a:r>
             <a:r>
-              <a:rPr lang="en-CA" dirty="0"/>
+              <a:rPr lang="en-CA"/>
               <a:t>K</a:t>
             </a:r>
             <a:r>
-              <a:rPr lang="en-CA" baseline="-25000" dirty="0"/>
+              <a:rPr lang="en-CA" baseline="-25000"/>
               <a:t>i+2,j</a:t>
             </a:r>
             <a:r>
-              <a:rPr lang="en-CA" dirty="0"/>
+              <a:rPr lang="en-CA"/>
               <a:t> </a:t>
             </a:r>
             <a:r>
-              <a:rPr lang="en-CA" sz="1100" b="1" dirty="0"/>
+              <a:rPr lang="en-CA" sz="1100" b="1"/>
               <a:t>∧ ...</a:t>
             </a:r>
             <a:r>
-              <a:rPr lang="en-CA" dirty="0"/>
+              <a:rPr lang="en-CA"/>
               <a:t>) and so on for every position of the grid</a:t>
             </a:r>
           </a:p>
           <a:p>
             <a:pPr fontAlgn="base"/>
             <a:r>
-              <a:rPr lang="en-CA" sz="1800" dirty="0"/>
+              <a:rPr lang="en-CA" sz="1800"/>
               <a:t>We start with an initial configuration for all pieces, for example:</a:t>
             </a:r>
           </a:p>
           <a:p>
             <a:pPr lvl="1"/>
             <a:r>
-              <a:rPr lang="en-CA" sz="1500" dirty="0"/>
+              <a:rPr lang="en-CA" sz="1500"/>
               <a:t>q</a:t>
             </a:r>
             <a:r>
-              <a:rPr lang="en-CA" sz="1500" baseline="-25000" dirty="0"/>
+              <a:rPr lang="en-CA" sz="1500" baseline="-25000"/>
               <a:t>7,5</a:t>
             </a:r>
             <a:r>
-              <a:rPr lang="en-CA" sz="1500" dirty="0"/>
+              <a:rPr lang="en-CA" sz="1500"/>
               <a:t> </a:t>
             </a:r>
             <a:r>
-              <a:rPr lang="en-CA" sz="1100" b="1" dirty="0"/>
+              <a:rPr lang="en-CA" sz="1100" b="1"/>
               <a:t>∧</a:t>
             </a:r>
             <a:r>
-              <a:rPr lang="en-CA" sz="1500" dirty="0"/>
+              <a:rPr lang="en-CA" sz="1500"/>
               <a:t> k</a:t>
             </a:r>
             <a:r>
-              <a:rPr lang="en-CA" sz="1500" baseline="-25000" dirty="0"/>
+              <a:rPr lang="en-CA" sz="1500" baseline="-25000"/>
               <a:t>6,4</a:t>
             </a:r>
             <a:r>
-              <a:rPr lang="en-CA" sz="1500" b="1" baseline="-25000" dirty="0"/>
+              <a:rPr lang="en-CA" sz="1500" b="1" baseline="-25000"/>
               <a:t> </a:t>
             </a:r>
             <a:r>
-              <a:rPr lang="en-CA" sz="1100" b="1" dirty="0"/>
+              <a:rPr lang="en-CA" sz="1100" b="1"/>
               <a:t>∧ </a:t>
             </a:r>
             <a:r>
-              <a:rPr lang="en-CA" sz="1500" dirty="0"/>
+              <a:rPr lang="en-CA" sz="1500"/>
               <a:t>K</a:t>
             </a:r>
             <a:r>
-              <a:rPr lang="en-CA" sz="1500" baseline="-25000" dirty="0"/>
+              <a:rPr lang="en-CA" sz="1500" baseline="-25000"/>
               <a:t>8,5</a:t>
             </a:r>
-            <a:endParaRPr lang="en-CA" dirty="0"/>
+            <a:endParaRPr lang="en-CA"/>
           </a:p>
         </p:txBody>
       </p:sp>
@@ -6325,7 +6292,7 @@
           <a:lstStyle/>
           <a:p>
             <a:r>
-              <a:rPr lang="en-US" dirty="0"/>
+              <a:rPr lang="en-US"/>
               <a:t>Model Exploration</a:t>
             </a:r>
           </a:p>
@@ -6355,11 +6322,11 @@
             <a:pPr marL="0" indent="0">
               <a:buNone/>
             </a:pPr>
-            <a:endParaRPr lang="en-US" dirty="0"/>
-          </a:p>
-          <a:p>
-            <a:r>
-              <a:rPr lang="en-US" dirty="0"/>
+            <a:endParaRPr lang="en-US"/>
+          </a:p>
+          <a:p>
+            <a:r>
+              <a:rPr lang="en-US"/>
               <a:t>We have explored our model by experimenting with different grid sizes from 3x3 to 6x6 and verified given correct s grids and we have given different piece starting positions and have confirmed the correct grid outputs</a:t>
             </a:r>
           </a:p>
@@ -6417,7 +6384,7 @@
           <a:lstStyle/>
           <a:p>
             <a:r>
-              <a:rPr lang="en-US" dirty="0"/>
+              <a:rPr lang="en-US"/>
               <a:t>First-order extension</a:t>
             </a:r>
           </a:p>
@@ -6445,16 +6412,16 @@
           <a:lstStyle/>
           <a:p>
             <a:r>
-              <a:rPr lang="en-US" dirty="0"/>
+              <a:rPr lang="en-US"/>
               <a:t>We can add quantifiers added for rows and columns for the rook not safe grid as rook will make the entire row and column it is on not safe</a:t>
             </a:r>
           </a:p>
           <a:p>
             <a:r>
-              <a:rPr lang="en-US" dirty="0"/>
+              <a:rPr lang="en-US"/>
               <a:t>We can add similar quantifiers using this principal for the queen and bishop </a:t>
             </a:r>
-            <a:endParaRPr lang="en-CA" dirty="0"/>
+            <a:endParaRPr lang="en-CA"/>
           </a:p>
         </p:txBody>
       </p:sp>
@@ -6472,6 +6439,118 @@
 </file>
 
 <file path=ppt/slides/slide7.xml><?xml version="1.0" encoding="utf-8"?>
+<p:sld xmlns:a="http://schemas.openxmlformats.org/drawingml/2006/main" xmlns:r="http://schemas.openxmlformats.org/officeDocument/2006/relationships" xmlns:p="http://schemas.openxmlformats.org/presentationml/2006/main">
+  <p:cSld>
+    <p:spTree>
+      <p:nvGrpSpPr>
+        <p:cNvPr id="1" name=""/>
+        <p:cNvGrpSpPr/>
+        <p:nvPr/>
+      </p:nvGrpSpPr>
+      <p:grpSpPr>
+        <a:xfrm>
+          <a:off x="0" y="0"/>
+          <a:ext cx="0" cy="0"/>
+          <a:chOff x="0" y="0"/>
+          <a:chExt cx="0" cy="0"/>
+        </a:xfrm>
+      </p:grpSpPr>
+      <p:sp>
+        <p:nvSpPr>
+          <p:cNvPr id="2" name="Title 1">
+            <a:extLst>
+              <a:ext uri="{FF2B5EF4-FFF2-40B4-BE49-F238E27FC236}">
+                <a16:creationId xmlns:a16="http://schemas.microsoft.com/office/drawing/2014/main" id="{99E83B16-B013-3743-B6AE-B091B5375F80}"/>
+              </a:ext>
+            </a:extLst>
+          </p:cNvPr>
+          <p:cNvSpPr>
+            <a:spLocks noGrp="1"/>
+          </p:cNvSpPr>
+          <p:nvPr>
+            <p:ph type="title"/>
+          </p:nvPr>
+        </p:nvSpPr>
+        <p:spPr/>
+        <p:txBody>
+          <a:bodyPr/>
+          <a:lstStyle/>
+          <a:p>
+            <a:r>
+              <a:rPr lang="en-US" dirty="0"/>
+              <a:t>Feedback Request</a:t>
+            </a:r>
+          </a:p>
+        </p:txBody>
+      </p:sp>
+      <p:sp>
+        <p:nvSpPr>
+          <p:cNvPr id="3" name="Content Placeholder 2">
+            <a:extLst>
+              <a:ext uri="{FF2B5EF4-FFF2-40B4-BE49-F238E27FC236}">
+                <a16:creationId xmlns:a16="http://schemas.microsoft.com/office/drawing/2014/main" id="{75F4A2FC-329B-C045-9798-717B5D776A06}"/>
+              </a:ext>
+            </a:extLst>
+          </p:cNvPr>
+          <p:cNvSpPr>
+            <a:spLocks noGrp="1"/>
+          </p:cNvSpPr>
+          <p:nvPr>
+            <p:ph idx="1"/>
+          </p:nvPr>
+        </p:nvSpPr>
+        <p:spPr/>
+        <p:txBody>
+          <a:bodyPr/>
+          <a:lstStyle/>
+          <a:p>
+            <a:r>
+              <a:rPr lang="en-US" dirty="0"/>
+              <a:t>How can we make our constraints more efficient in the </a:t>
+            </a:r>
+            <a:r>
+              <a:rPr lang="en-US" dirty="0" err="1"/>
+              <a:t>run.py</a:t>
+            </a:r>
+            <a:r>
+              <a:rPr lang="en-US" dirty="0"/>
+              <a:t> file?</a:t>
+            </a:r>
+          </a:p>
+          <a:p>
+            <a:r>
+              <a:rPr lang="en-US" dirty="0"/>
+              <a:t>How can we create a checkmate situation given a limited number of each pieces and a partially complete board?</a:t>
+            </a:r>
+          </a:p>
+          <a:p>
+            <a:r>
+              <a:rPr lang="en-US" dirty="0"/>
+              <a:t>How can we specify grid positions in Jape for our not safe grid?</a:t>
+            </a:r>
+          </a:p>
+          <a:p>
+            <a:r>
+              <a:rPr lang="en-US" dirty="0"/>
+              <a:t>What can we conclude from our Jape premises?</a:t>
+            </a:r>
+          </a:p>
+        </p:txBody>
+      </p:sp>
+    </p:spTree>
+    <p:extLst>
+      <p:ext uri="{BB962C8B-B14F-4D97-AF65-F5344CB8AC3E}">
+        <p14:creationId xmlns:p14="http://schemas.microsoft.com/office/powerpoint/2010/main" val="3528256396"/>
+      </p:ext>
+    </p:extLst>
+  </p:cSld>
+  <p:clrMapOvr>
+    <a:masterClrMapping/>
+  </p:clrMapOvr>
+</p:sld>
+</file>
+
+<file path=ppt/slides/slide8.xml><?xml version="1.0" encoding="utf-8"?>
 <p:sld xmlns:a="http://schemas.openxmlformats.org/drawingml/2006/main" xmlns:r="http://schemas.openxmlformats.org/officeDocument/2006/relationships" xmlns:p="http://schemas.openxmlformats.org/presentationml/2006/main">
   <p:cSld>
     <p:bg>
@@ -6805,7 +6884,7 @@
           <a:p>
             <a:pPr algn="r"/>
             <a:r>
-              <a:rPr lang="en-US" sz="6600" b="0" kern="1200" cap="all" dirty="0">
+              <a:rPr lang="en-US" sz="6600" b="0" kern="1200" cap="all">
                 <a:solidFill>
                   <a:srgbClr val="FFFFFF">
                     <a:alpha val="90000"/>
